--- a/FTT/Teste de desempenho.pptx
+++ b/FTT/Teste de desempenho.pptx
@@ -2,11 +2,16 @@
 <file path=ppt/presentation.xml><?xml version="1.0" encoding="utf-8"?>
 <p:presentation xmlns:a="http://schemas.openxmlformats.org/drawingml/2006/main" xmlns:r="http://schemas.openxmlformats.org/officeDocument/2006/relationships" xmlns:p="http://schemas.openxmlformats.org/presentationml/2006/main" autoCompressPictures="0">
   <p:sldMasterIdLst>
-    <p:sldMasterId id="2147483648" r:id="rId1"/>
+    <p:sldMasterId id="2147483687" r:id="rId1"/>
   </p:sldMasterIdLst>
   <p:sldIdLst>
     <p:sldId id="256" r:id="rId2"/>
     <p:sldId id="257" r:id="rId3"/>
+    <p:sldId id="258" r:id="rId4"/>
+    <p:sldId id="259" r:id="rId5"/>
+    <p:sldId id="260" r:id="rId6"/>
+    <p:sldId id="261" r:id="rId7"/>
+    <p:sldId id="262" r:id="rId8"/>
   </p:sldIdLst>
   <p:sldSz cx="12192000" cy="6858000"/>
   <p:notesSz cx="6858000" cy="9144000"/>
@@ -105,6 +110,11 @@
       </a:defRPr>
     </a:lvl9pPr>
   </p:defaultTextStyle>
+  <p:extLst>
+    <p:ext uri="{EFAFB233-063F-42B5-8137-9DF3F51BA10A}">
+      <p15:sldGuideLst xmlns:p15="http://schemas.microsoft.com/office/powerpoint/2012/main"/>
+    </p:ext>
+  </p:extLst>
 </p:presentation>
 </file>
 
@@ -136,6 +146,13 @@
         <p:blipFill>
           <a:blip r:embed="rId2">
             <a:alphaModFix amt="30000"/>
+            <a:duotone>
+              <a:prstClr val="black"/>
+              <a:schemeClr val="tx2">
+                <a:tint val="45000"/>
+                <a:satMod val="400000"/>
+              </a:schemeClr>
+            </a:duotone>
             <a:extLst>
               <a:ext uri="{28A0092B-C50C-407E-A947-70E740481C1C}">
                 <a14:useLocalDpi xmlns:a14="http://schemas.microsoft.com/office/drawing/2010/main" val="0"/>
@@ -186,9 +203,8 @@
                 <a:schemeClr val="tx2"/>
               </a:gs>
               <a:gs pos="100000">
-                <a:schemeClr val="bg2">
-                  <a:lumMod val="60000"/>
-                  <a:lumOff val="40000"/>
+                <a:schemeClr val="tx2">
+                  <a:lumMod val="50000"/>
                 </a:schemeClr>
               </a:gs>
             </a:gsLst>
@@ -4383,8 +4399,8 @@
           <a:lstStyle/>
           <a:p>
             <a:fld id="{48A87A34-81AB-432B-8DAE-1953F412C126}" type="datetimeFigureOut">
-              <a:rPr lang="en-US" dirty="0"/>
-              <a:t>2/6/2018</a:t>
+              <a:rPr lang="en-US" smtClean="0"/>
+              <a:t>2/7/2018</a:t>
             </a:fld>
             <a:endParaRPr lang="en-US" dirty="0"/>
           </a:p>
@@ -4435,7 +4451,7 @@
           <a:lstStyle/>
           <a:p>
             <a:fld id="{6D22F896-40B5-4ADD-8801-0D06FADFA095}" type="slidenum">
-              <a:rPr lang="en-US" dirty="0"/>
+              <a:rPr lang="en-US" smtClean="0"/>
               <a:t>‹nº›</a:t>
             </a:fld>
             <a:endParaRPr lang="en-US" dirty="0"/>
@@ -4443,6 +4459,11 @@
         </p:txBody>
       </p:sp>
     </p:spTree>
+    <p:extLst>
+      <p:ext uri="{BB962C8B-B14F-4D97-AF65-F5344CB8AC3E}">
+        <p14:creationId xmlns:p14="http://schemas.microsoft.com/office/powerpoint/2010/main" val="3238856775"/>
+      </p:ext>
+    </p:extLst>
   </p:cSld>
   <p:clrMapOvr>
     <a:masterClrMapping/>
@@ -4645,8 +4666,8 @@
           <a:lstStyle/>
           <a:p>
             <a:fld id="{48A87A34-81AB-432B-8DAE-1953F412C126}" type="datetimeFigureOut">
-              <a:rPr lang="en-US" dirty="0"/>
-              <a:t>2/6/2018</a:t>
+              <a:rPr lang="en-US" smtClean="0"/>
+              <a:t>2/7/2018</a:t>
             </a:fld>
             <a:endParaRPr lang="en-US" dirty="0"/>
           </a:p>
@@ -4687,7 +4708,7 @@
           <a:lstStyle/>
           <a:p>
             <a:fld id="{6D22F896-40B5-4ADD-8801-0D06FADFA095}" type="slidenum">
-              <a:rPr lang="en-US" dirty="0"/>
+              <a:rPr lang="en-US" smtClean="0"/>
               <a:t>‹nº›</a:t>
             </a:fld>
             <a:endParaRPr lang="en-US" dirty="0"/>
@@ -4695,6 +4716,11 @@
         </p:txBody>
       </p:sp>
     </p:spTree>
+    <p:extLst>
+      <p:ext uri="{BB962C8B-B14F-4D97-AF65-F5344CB8AC3E}">
+        <p14:creationId xmlns:p14="http://schemas.microsoft.com/office/powerpoint/2010/main" val="1465123467"/>
+      </p:ext>
+    </p:extLst>
   </p:cSld>
   <p:clrMapOvr>
     <a:masterClrMapping/>
@@ -4836,8 +4862,8 @@
           <a:lstStyle/>
           <a:p>
             <a:fld id="{48A87A34-81AB-432B-8DAE-1953F412C126}" type="datetimeFigureOut">
-              <a:rPr lang="en-US" dirty="0"/>
-              <a:t>2/6/2018</a:t>
+              <a:rPr lang="en-US" smtClean="0"/>
+              <a:t>2/7/2018</a:t>
             </a:fld>
             <a:endParaRPr lang="en-US" dirty="0"/>
           </a:p>
@@ -4878,7 +4904,7 @@
           <a:lstStyle/>
           <a:p>
             <a:fld id="{6D22F896-40B5-4ADD-8801-0D06FADFA095}" type="slidenum">
-              <a:rPr lang="en-US" dirty="0"/>
+              <a:rPr lang="en-US" smtClean="0"/>
               <a:t>‹nº›</a:t>
             </a:fld>
             <a:endParaRPr lang="en-US" dirty="0"/>
@@ -4886,6 +4912,11 @@
         </p:txBody>
       </p:sp>
     </p:spTree>
+    <p:extLst>
+      <p:ext uri="{BB962C8B-B14F-4D97-AF65-F5344CB8AC3E}">
+        <p14:creationId xmlns:p14="http://schemas.microsoft.com/office/powerpoint/2010/main" val="3518919448"/>
+      </p:ext>
+    </p:extLst>
   </p:cSld>
   <p:clrMapOvr>
     <a:masterClrMapping/>
@@ -5094,8 +5125,8 @@
           <a:lstStyle/>
           <a:p>
             <a:fld id="{48A87A34-81AB-432B-8DAE-1953F412C126}" type="datetimeFigureOut">
-              <a:rPr lang="en-US" dirty="0"/>
-              <a:t>2/6/2018</a:t>
+              <a:rPr lang="en-US" smtClean="0"/>
+              <a:t>2/7/2018</a:t>
             </a:fld>
             <a:endParaRPr lang="en-US" dirty="0"/>
           </a:p>
@@ -5136,7 +5167,7 @@
           <a:lstStyle/>
           <a:p>
             <a:fld id="{6D22F896-40B5-4ADD-8801-0D06FADFA095}" type="slidenum">
-              <a:rPr lang="en-US" dirty="0"/>
+              <a:rPr lang="en-US" smtClean="0"/>
               <a:t>‹nº›</a:t>
             </a:fld>
             <a:endParaRPr lang="en-US" dirty="0"/>
@@ -5382,6 +5413,11 @@
         </p:txBody>
       </p:sp>
     </p:spTree>
+    <p:extLst>
+      <p:ext uri="{BB962C8B-B14F-4D97-AF65-F5344CB8AC3E}">
+        <p14:creationId xmlns:p14="http://schemas.microsoft.com/office/powerpoint/2010/main" val="2830479533"/>
+      </p:ext>
+    </p:extLst>
   </p:cSld>
   <p:clrMapOvr>
     <a:masterClrMapping/>
@@ -5523,8 +5559,8 @@
           <a:lstStyle/>
           <a:p>
             <a:fld id="{48A87A34-81AB-432B-8DAE-1953F412C126}" type="datetimeFigureOut">
-              <a:rPr lang="en-US" dirty="0"/>
-              <a:t>2/6/2018</a:t>
+              <a:rPr lang="en-US" smtClean="0"/>
+              <a:t>2/7/2018</a:t>
             </a:fld>
             <a:endParaRPr lang="en-US" dirty="0"/>
           </a:p>
@@ -5565,7 +5601,7 @@
           <a:lstStyle/>
           <a:p>
             <a:fld id="{6D22F896-40B5-4ADD-8801-0D06FADFA095}" type="slidenum">
-              <a:rPr lang="en-US" dirty="0"/>
+              <a:rPr lang="en-US" smtClean="0"/>
               <a:t>‹nº›</a:t>
             </a:fld>
             <a:endParaRPr lang="en-US" dirty="0"/>
@@ -5573,6 +5609,11 @@
         </p:txBody>
       </p:sp>
     </p:spTree>
+    <p:extLst>
+      <p:ext uri="{BB962C8B-B14F-4D97-AF65-F5344CB8AC3E}">
+        <p14:creationId xmlns:p14="http://schemas.microsoft.com/office/powerpoint/2010/main" val="3002338633"/>
+      </p:ext>
+    </p:extLst>
   </p:cSld>
   <p:clrMapOvr>
     <a:masterClrMapping/>
@@ -6064,8 +6105,8 @@
           <a:lstStyle/>
           <a:p>
             <a:fld id="{48A87A34-81AB-432B-8DAE-1953F412C126}" type="datetimeFigureOut">
-              <a:rPr lang="en-US" dirty="0"/>
-              <a:t>2/6/2018</a:t>
+              <a:rPr lang="en-US" smtClean="0"/>
+              <a:t>2/7/2018</a:t>
             </a:fld>
             <a:endParaRPr lang="en-US" dirty="0"/>
           </a:p>
@@ -6106,7 +6147,7 @@
           <a:lstStyle/>
           <a:p>
             <a:fld id="{6D22F896-40B5-4ADD-8801-0D06FADFA095}" type="slidenum">
-              <a:rPr lang="en-US" dirty="0"/>
+              <a:rPr lang="en-US" smtClean="0"/>
               <a:t>‹nº›</a:t>
             </a:fld>
             <a:endParaRPr lang="en-US" dirty="0"/>
@@ -6114,6 +6155,11 @@
         </p:txBody>
       </p:sp>
     </p:spTree>
+    <p:extLst>
+      <p:ext uri="{BB962C8B-B14F-4D97-AF65-F5344CB8AC3E}">
+        <p14:creationId xmlns:p14="http://schemas.microsoft.com/office/powerpoint/2010/main" val="3925483826"/>
+      </p:ext>
+    </p:extLst>
   </p:cSld>
   <p:clrMapOvr>
     <a:masterClrMapping/>
@@ -6779,8 +6825,8 @@
           <a:lstStyle/>
           <a:p>
             <a:fld id="{48A87A34-81AB-432B-8DAE-1953F412C126}" type="datetimeFigureOut">
-              <a:rPr lang="en-US" dirty="0"/>
-              <a:t>2/6/2018</a:t>
+              <a:rPr lang="en-US" smtClean="0"/>
+              <a:t>2/7/2018</a:t>
             </a:fld>
             <a:endParaRPr lang="en-US" dirty="0"/>
           </a:p>
@@ -6821,7 +6867,7 @@
           <a:lstStyle/>
           <a:p>
             <a:fld id="{6D22F896-40B5-4ADD-8801-0D06FADFA095}" type="slidenum">
-              <a:rPr lang="en-US" dirty="0"/>
+              <a:rPr lang="en-US" smtClean="0"/>
               <a:t>‹nº›</a:t>
             </a:fld>
             <a:endParaRPr lang="en-US" dirty="0"/>
@@ -6829,6 +6875,11 @@
         </p:txBody>
       </p:sp>
     </p:spTree>
+    <p:extLst>
+      <p:ext uri="{BB962C8B-B14F-4D97-AF65-F5344CB8AC3E}">
+        <p14:creationId xmlns:p14="http://schemas.microsoft.com/office/powerpoint/2010/main" val="948433742"/>
+      </p:ext>
+    </p:extLst>
   </p:cSld>
   <p:clrMapOvr>
     <a:masterClrMapping/>
@@ -6944,8 +6995,8 @@
           <a:lstStyle/>
           <a:p>
             <a:fld id="{48A87A34-81AB-432B-8DAE-1953F412C126}" type="datetimeFigureOut">
-              <a:rPr lang="en-US" dirty="0"/>
-              <a:t>2/6/2018</a:t>
+              <a:rPr lang="en-US" smtClean="0"/>
+              <a:t>2/7/2018</a:t>
             </a:fld>
             <a:endParaRPr lang="en-US" dirty="0"/>
           </a:p>
@@ -6986,7 +7037,7 @@
           <a:lstStyle/>
           <a:p>
             <a:fld id="{6D22F896-40B5-4ADD-8801-0D06FADFA095}" type="slidenum">
-              <a:rPr lang="en-US" dirty="0"/>
+              <a:rPr lang="en-US" smtClean="0"/>
               <a:t>‹nº›</a:t>
             </a:fld>
             <a:endParaRPr lang="en-US" dirty="0"/>
@@ -6994,6 +7045,11 @@
         </p:txBody>
       </p:sp>
     </p:spTree>
+    <p:extLst>
+      <p:ext uri="{BB962C8B-B14F-4D97-AF65-F5344CB8AC3E}">
+        <p14:creationId xmlns:p14="http://schemas.microsoft.com/office/powerpoint/2010/main" val="4032137782"/>
+      </p:ext>
+    </p:extLst>
   </p:cSld>
   <p:clrMapOvr>
     <a:masterClrMapping/>
@@ -7119,8 +7175,8 @@
           <a:lstStyle/>
           <a:p>
             <a:fld id="{48A87A34-81AB-432B-8DAE-1953F412C126}" type="datetimeFigureOut">
-              <a:rPr lang="en-US" dirty="0"/>
-              <a:t>2/6/2018</a:t>
+              <a:rPr lang="en-US" smtClean="0"/>
+              <a:t>2/7/2018</a:t>
             </a:fld>
             <a:endParaRPr lang="en-US" dirty="0"/>
           </a:p>
@@ -7161,7 +7217,7 @@
           <a:lstStyle/>
           <a:p>
             <a:fld id="{6D22F896-40B5-4ADD-8801-0D06FADFA095}" type="slidenum">
-              <a:rPr lang="en-US" dirty="0"/>
+              <a:rPr lang="en-US" smtClean="0"/>
               <a:t>‹nº›</a:t>
             </a:fld>
             <a:endParaRPr lang="en-US" dirty="0"/>
@@ -7169,6 +7225,11 @@
         </p:txBody>
       </p:sp>
     </p:spTree>
+    <p:extLst>
+      <p:ext uri="{BB962C8B-B14F-4D97-AF65-F5344CB8AC3E}">
+        <p14:creationId xmlns:p14="http://schemas.microsoft.com/office/powerpoint/2010/main" val="763015582"/>
+      </p:ext>
+    </p:extLst>
   </p:cSld>
   <p:clrMapOvr>
     <a:masterClrMapping/>
@@ -7284,8 +7345,8 @@
           <a:lstStyle/>
           <a:p>
             <a:fld id="{48A87A34-81AB-432B-8DAE-1953F412C126}" type="datetimeFigureOut">
-              <a:rPr lang="en-US" dirty="0"/>
-              <a:t>2/6/2018</a:t>
+              <a:rPr lang="en-US" smtClean="0"/>
+              <a:t>2/7/2018</a:t>
             </a:fld>
             <a:endParaRPr lang="en-US" dirty="0"/>
           </a:p>
@@ -7326,7 +7387,7 @@
           <a:lstStyle/>
           <a:p>
             <a:fld id="{6D22F896-40B5-4ADD-8801-0D06FADFA095}" type="slidenum">
-              <a:rPr lang="en-US" dirty="0"/>
+              <a:rPr lang="en-US" smtClean="0"/>
               <a:t>‹nº›</a:t>
             </a:fld>
             <a:endParaRPr lang="en-US" dirty="0"/>
@@ -7334,6 +7395,11 @@
         </p:txBody>
       </p:sp>
     </p:spTree>
+    <p:extLst>
+      <p:ext uri="{BB962C8B-B14F-4D97-AF65-F5344CB8AC3E}">
+        <p14:creationId xmlns:p14="http://schemas.microsoft.com/office/powerpoint/2010/main" val="2586428294"/>
+      </p:ext>
+    </p:extLst>
   </p:cSld>
   <p:clrMapOvr>
     <a:masterClrMapping/>
@@ -7529,8 +7595,8 @@
           <a:lstStyle/>
           <a:p>
             <a:fld id="{48A87A34-81AB-432B-8DAE-1953F412C126}" type="datetimeFigureOut">
-              <a:rPr lang="en-US" dirty="0"/>
-              <a:t>2/6/2018</a:t>
+              <a:rPr lang="en-US" smtClean="0"/>
+              <a:t>2/7/2018</a:t>
             </a:fld>
             <a:endParaRPr lang="en-US" dirty="0"/>
           </a:p>
@@ -7571,7 +7637,7 @@
           <a:lstStyle/>
           <a:p>
             <a:fld id="{6D22F896-40B5-4ADD-8801-0D06FADFA095}" type="slidenum">
-              <a:rPr lang="en-US" dirty="0"/>
+              <a:rPr lang="en-US" smtClean="0"/>
               <a:t>‹nº›</a:t>
             </a:fld>
             <a:endParaRPr lang="en-US" dirty="0"/>
@@ -7579,6 +7645,11 @@
         </p:txBody>
       </p:sp>
     </p:spTree>
+    <p:extLst>
+      <p:ext uri="{BB962C8B-B14F-4D97-AF65-F5344CB8AC3E}">
+        <p14:creationId xmlns:p14="http://schemas.microsoft.com/office/powerpoint/2010/main" val="3828483283"/>
+      </p:ext>
+    </p:extLst>
   </p:cSld>
   <p:clrMapOvr>
     <a:masterClrMapping/>
@@ -7756,8 +7827,8 @@
           <a:lstStyle/>
           <a:p>
             <a:fld id="{48A87A34-81AB-432B-8DAE-1953F412C126}" type="datetimeFigureOut">
-              <a:rPr lang="en-US" dirty="0"/>
-              <a:t>2/6/2018</a:t>
+              <a:rPr lang="en-US" smtClean="0"/>
+              <a:t>2/7/2018</a:t>
             </a:fld>
             <a:endParaRPr lang="en-US" dirty="0"/>
           </a:p>
@@ -7798,7 +7869,7 @@
           <a:lstStyle/>
           <a:p>
             <a:fld id="{6D22F896-40B5-4ADD-8801-0D06FADFA095}" type="slidenum">
-              <a:rPr lang="en-US" dirty="0"/>
+              <a:rPr lang="en-US" smtClean="0"/>
               <a:t>‹nº›</a:t>
             </a:fld>
             <a:endParaRPr lang="en-US" dirty="0"/>
@@ -7806,6 +7877,11 @@
         </p:txBody>
       </p:sp>
     </p:spTree>
+    <p:extLst>
+      <p:ext uri="{BB962C8B-B14F-4D97-AF65-F5344CB8AC3E}">
+        <p14:creationId xmlns:p14="http://schemas.microsoft.com/office/powerpoint/2010/main" val="449811866"/>
+      </p:ext>
+    </p:extLst>
   </p:cSld>
   <p:clrMapOvr>
     <a:masterClrMapping/>
@@ -8132,8 +8208,8 @@
           <a:lstStyle/>
           <a:p>
             <a:fld id="{48A87A34-81AB-432B-8DAE-1953F412C126}" type="datetimeFigureOut">
-              <a:rPr lang="en-US" dirty="0"/>
-              <a:t>2/6/2018</a:t>
+              <a:rPr lang="en-US" smtClean="0"/>
+              <a:t>2/7/2018</a:t>
             </a:fld>
             <a:endParaRPr lang="en-US" dirty="0"/>
           </a:p>
@@ -8174,7 +8250,7 @@
           <a:lstStyle/>
           <a:p>
             <a:fld id="{6D22F896-40B5-4ADD-8801-0D06FADFA095}" type="slidenum">
-              <a:rPr lang="en-US" dirty="0"/>
+              <a:rPr lang="en-US" smtClean="0"/>
               <a:t>‹nº›</a:t>
             </a:fld>
             <a:endParaRPr lang="en-US" dirty="0"/>
@@ -8182,6 +8258,11 @@
         </p:txBody>
       </p:sp>
     </p:spTree>
+    <p:extLst>
+      <p:ext uri="{BB962C8B-B14F-4D97-AF65-F5344CB8AC3E}">
+        <p14:creationId xmlns:p14="http://schemas.microsoft.com/office/powerpoint/2010/main" val="24544325"/>
+      </p:ext>
+    </p:extLst>
   </p:cSld>
   <p:clrMapOvr>
     <a:masterClrMapping/>
@@ -8245,8 +8326,8 @@
           <a:lstStyle/>
           <a:p>
             <a:fld id="{48A87A34-81AB-432B-8DAE-1953F412C126}" type="datetimeFigureOut">
-              <a:rPr lang="en-US" dirty="0"/>
-              <a:t>2/6/2018</a:t>
+              <a:rPr lang="en-US" smtClean="0"/>
+              <a:t>2/7/2018</a:t>
             </a:fld>
             <a:endParaRPr lang="en-US" dirty="0"/>
           </a:p>
@@ -8287,7 +8368,7 @@
           <a:lstStyle/>
           <a:p>
             <a:fld id="{6D22F896-40B5-4ADD-8801-0D06FADFA095}" type="slidenum">
-              <a:rPr lang="en-US" dirty="0"/>
+              <a:rPr lang="en-US" smtClean="0"/>
               <a:t>‹nº›</a:t>
             </a:fld>
             <a:endParaRPr lang="en-US" dirty="0"/>
@@ -8295,6 +8376,11 @@
         </p:txBody>
       </p:sp>
     </p:spTree>
+    <p:extLst>
+      <p:ext uri="{BB962C8B-B14F-4D97-AF65-F5344CB8AC3E}">
+        <p14:creationId xmlns:p14="http://schemas.microsoft.com/office/powerpoint/2010/main" val="1847231611"/>
+      </p:ext>
+    </p:extLst>
   </p:cSld>
   <p:clrMapOvr>
     <a:masterClrMapping/>
@@ -8335,8 +8421,8 @@
           <a:lstStyle/>
           <a:p>
             <a:fld id="{48A87A34-81AB-432B-8DAE-1953F412C126}" type="datetimeFigureOut">
-              <a:rPr lang="en-US" dirty="0"/>
-              <a:t>2/6/2018</a:t>
+              <a:rPr lang="en-US" smtClean="0"/>
+              <a:t>2/7/2018</a:t>
             </a:fld>
             <a:endParaRPr lang="en-US" dirty="0"/>
           </a:p>
@@ -8377,7 +8463,7 @@
           <a:lstStyle/>
           <a:p>
             <a:fld id="{6D22F896-40B5-4ADD-8801-0D06FADFA095}" type="slidenum">
-              <a:rPr lang="en-US" dirty="0"/>
+              <a:rPr lang="en-US" smtClean="0"/>
               <a:t>‹nº›</a:t>
             </a:fld>
             <a:endParaRPr lang="en-US" dirty="0"/>
@@ -8385,6 +8471,11 @@
         </p:txBody>
       </p:sp>
     </p:spTree>
+    <p:extLst>
+      <p:ext uri="{BB962C8B-B14F-4D97-AF65-F5344CB8AC3E}">
+        <p14:creationId xmlns:p14="http://schemas.microsoft.com/office/powerpoint/2010/main" val="564845188"/>
+      </p:ext>
+    </p:extLst>
   </p:cSld>
   <p:clrMapOvr>
     <a:masterClrMapping/>
@@ -8579,8 +8670,8 @@
           <a:lstStyle/>
           <a:p>
             <a:fld id="{48A87A34-81AB-432B-8DAE-1953F412C126}" type="datetimeFigureOut">
-              <a:rPr lang="en-US" dirty="0"/>
-              <a:t>2/6/2018</a:t>
+              <a:rPr lang="en-US" smtClean="0"/>
+              <a:t>2/7/2018</a:t>
             </a:fld>
             <a:endParaRPr lang="en-US" dirty="0"/>
           </a:p>
@@ -8621,7 +8712,7 @@
           <a:lstStyle/>
           <a:p>
             <a:fld id="{6D22F896-40B5-4ADD-8801-0D06FADFA095}" type="slidenum">
-              <a:rPr lang="en-US" dirty="0"/>
+              <a:rPr lang="en-US" smtClean="0"/>
               <a:t>‹nº›</a:t>
             </a:fld>
             <a:endParaRPr lang="en-US" dirty="0"/>
@@ -8629,6 +8720,11 @@
         </p:txBody>
       </p:sp>
     </p:spTree>
+    <p:extLst>
+      <p:ext uri="{BB962C8B-B14F-4D97-AF65-F5344CB8AC3E}">
+        <p14:creationId xmlns:p14="http://schemas.microsoft.com/office/powerpoint/2010/main" val="1629836244"/>
+      </p:ext>
+    </p:extLst>
   </p:cSld>
   <p:clrMapOvr>
     <a:masterClrMapping/>
@@ -8854,8 +8950,8 @@
           <a:lstStyle/>
           <a:p>
             <a:fld id="{48A87A34-81AB-432B-8DAE-1953F412C126}" type="datetimeFigureOut">
-              <a:rPr lang="en-US" dirty="0"/>
-              <a:t>2/6/2018</a:t>
+              <a:rPr lang="en-US" smtClean="0"/>
+              <a:t>2/7/2018</a:t>
             </a:fld>
             <a:endParaRPr lang="en-US" dirty="0"/>
           </a:p>
@@ -8896,7 +8992,7 @@
           <a:lstStyle/>
           <a:p>
             <a:fld id="{6D22F896-40B5-4ADD-8801-0D06FADFA095}" type="slidenum">
-              <a:rPr lang="en-US" dirty="0"/>
+              <a:rPr lang="en-US" smtClean="0"/>
               <a:t>‹nº›</a:t>
             </a:fld>
             <a:endParaRPr lang="en-US" dirty="0"/>
@@ -8904,6 +9000,11 @@
         </p:txBody>
       </p:sp>
     </p:spTree>
+    <p:extLst>
+      <p:ext uri="{BB962C8B-B14F-4D97-AF65-F5344CB8AC3E}">
+        <p14:creationId xmlns:p14="http://schemas.microsoft.com/office/powerpoint/2010/main" val="3664472642"/>
+      </p:ext>
+    </p:extLst>
   </p:cSld>
   <p:clrMapOvr>
     <a:masterClrMapping/>
@@ -8944,6 +9045,13 @@
         <p:blipFill>
           <a:blip r:embed="rId19">
             <a:alphaModFix amt="30000"/>
+            <a:duotone>
+              <a:prstClr val="black"/>
+              <a:schemeClr val="tx2">
+                <a:tint val="45000"/>
+                <a:satMod val="400000"/>
+              </a:schemeClr>
+            </a:duotone>
             <a:extLst>
               <a:ext uri="{28A0092B-C50C-407E-A947-70E740481C1C}">
                 <a14:useLocalDpi xmlns:a14="http://schemas.microsoft.com/office/drawing/2010/main" val="0"/>
@@ -8988,6 +9096,20 @@
             <a:chOff x="-14288" y="0"/>
             <a:chExt cx="12053888" cy="6858001"/>
           </a:xfrm>
+          <a:gradFill flip="none" rotWithShape="1">
+            <a:gsLst>
+              <a:gs pos="0">
+                <a:schemeClr val="tx2"/>
+              </a:gs>
+              <a:gs pos="100000">
+                <a:schemeClr val="tx2">
+                  <a:lumMod val="50000"/>
+                </a:schemeClr>
+              </a:gs>
+            </a:gsLst>
+            <a:lin ang="5400000" scaled="0"/>
+            <a:tileRect/>
+          </a:gradFill>
         </p:grpSpPr>
         <p:grpSp>
           <p:nvGrpSpPr>
@@ -9002,21 +9124,7 @@
               <a:chOff x="-14288" y="0"/>
               <a:chExt cx="1220788" cy="6858001"/>
             </a:xfrm>
-            <a:gradFill flip="none" rotWithShape="1">
-              <a:gsLst>
-                <a:gs pos="0">
-                  <a:schemeClr val="tx2"/>
-                </a:gs>
-                <a:gs pos="100000">
-                  <a:schemeClr val="bg2">
-                    <a:lumMod val="60000"/>
-                    <a:lumOff val="40000"/>
-                  </a:schemeClr>
-                </a:gs>
-              </a:gsLst>
-              <a:lin ang="5400000" scaled="0"/>
-              <a:tileRect/>
-            </a:gradFill>
+            <a:grpFill/>
           </p:grpSpPr>
           <p:sp>
             <p:nvSpPr>
@@ -11005,24 +11113,7 @@
               <a:chOff x="11364912" y="0"/>
               <a:chExt cx="674688" cy="6848476"/>
             </a:xfrm>
-            <a:gradFill flip="none" rotWithShape="1">
-              <a:gsLst>
-                <a:gs pos="0">
-                  <a:schemeClr val="tx2">
-                    <a:alpha val="80000"/>
-                  </a:schemeClr>
-                </a:gs>
-                <a:gs pos="100000">
-                  <a:schemeClr val="bg2">
-                    <a:lumMod val="60000"/>
-                    <a:lumOff val="40000"/>
-                    <a:alpha val="60000"/>
-                  </a:schemeClr>
-                </a:gs>
-              </a:gsLst>
-              <a:lin ang="5400000" scaled="0"/>
-              <a:tileRect/>
-            </a:gradFill>
+            <a:grpFill/>
           </p:grpSpPr>
           <p:sp>
             <p:nvSpPr>
@@ -11926,9 +12017,9 @@
           </a:lstStyle>
           <a:p>
             <a:fld id="{48A87A34-81AB-432B-8DAE-1953F412C126}" type="datetimeFigureOut">
-              <a:rPr lang="en-US" dirty="0"/>
+              <a:rPr lang="en-US" smtClean="0"/>
               <a:pPr/>
-              <a:t>2/6/2018</a:t>
+              <a:t>2/7/2018</a:t>
             </a:fld>
             <a:endParaRPr lang="en-US" dirty="0"/>
           </a:p>
@@ -12005,7 +12096,7 @@
           </a:lstStyle>
           <a:p>
             <a:fld id="{6D22F896-40B5-4ADD-8801-0D06FADFA095}" type="slidenum">
-              <a:rPr lang="en-US" dirty="0"/>
+              <a:rPr lang="en-US" smtClean="0"/>
               <a:pPr/>
               <a:t>‹nº›</a:t>
             </a:fld>
@@ -12014,26 +12105,31 @@
         </p:txBody>
       </p:sp>
     </p:spTree>
+    <p:extLst>
+      <p:ext uri="{BB962C8B-B14F-4D97-AF65-F5344CB8AC3E}">
+        <p14:creationId xmlns:p14="http://schemas.microsoft.com/office/powerpoint/2010/main" val="2401567181"/>
+      </p:ext>
+    </p:extLst>
   </p:cSld>
   <p:clrMap bg1="dk1" tx1="lt1" bg2="dk2" tx2="lt2" accent1="accent1" accent2="accent2" accent3="accent3" accent4="accent4" accent5="accent5" accent6="accent6" hlink="hlink" folHlink="folHlink"/>
   <p:sldLayoutIdLst>
-    <p:sldLayoutId id="2147483649" r:id="rId1"/>
-    <p:sldLayoutId id="2147483650" r:id="rId2"/>
-    <p:sldLayoutId id="2147483651" r:id="rId3"/>
-    <p:sldLayoutId id="2147483652" r:id="rId4"/>
-    <p:sldLayoutId id="2147483653" r:id="rId5"/>
-    <p:sldLayoutId id="2147483654" r:id="rId6"/>
-    <p:sldLayoutId id="2147483655" r:id="rId7"/>
-    <p:sldLayoutId id="2147483656" r:id="rId8"/>
-    <p:sldLayoutId id="2147483657" r:id="rId9"/>
-    <p:sldLayoutId id="2147483660" r:id="rId10"/>
-    <p:sldLayoutId id="2147483661" r:id="rId11"/>
-    <p:sldLayoutId id="2147483666" r:id="rId12"/>
-    <p:sldLayoutId id="2147483663" r:id="rId13"/>
-    <p:sldLayoutId id="2147483667" r:id="rId14"/>
-    <p:sldLayoutId id="2147483668" r:id="rId15"/>
-    <p:sldLayoutId id="2147483658" r:id="rId16"/>
-    <p:sldLayoutId id="2147483659" r:id="rId17"/>
+    <p:sldLayoutId id="2147483688" r:id="rId1"/>
+    <p:sldLayoutId id="2147483689" r:id="rId2"/>
+    <p:sldLayoutId id="2147483690" r:id="rId3"/>
+    <p:sldLayoutId id="2147483691" r:id="rId4"/>
+    <p:sldLayoutId id="2147483692" r:id="rId5"/>
+    <p:sldLayoutId id="2147483693" r:id="rId6"/>
+    <p:sldLayoutId id="2147483694" r:id="rId7"/>
+    <p:sldLayoutId id="2147483695" r:id="rId8"/>
+    <p:sldLayoutId id="2147483696" r:id="rId9"/>
+    <p:sldLayoutId id="2147483697" r:id="rId10"/>
+    <p:sldLayoutId id="2147483698" r:id="rId11"/>
+    <p:sldLayoutId id="2147483699" r:id="rId12"/>
+    <p:sldLayoutId id="2147483700" r:id="rId13"/>
+    <p:sldLayoutId id="2147483701" r:id="rId14"/>
+    <p:sldLayoutId id="2147483702" r:id="rId15"/>
+    <p:sldLayoutId id="2147483703" r:id="rId16"/>
+    <p:sldLayoutId id="2147483704" r:id="rId17"/>
   </p:sldLayoutIdLst>
   <p:txStyles>
     <p:titleStyle>
@@ -12428,7 +12524,7 @@
                 <a:latin typeface="Times New Roman" panose="02020603050405020304" pitchFamily="18" charset="0"/>
                 <a:cs typeface="Times New Roman" panose="02020603050405020304" pitchFamily="18" charset="0"/>
               </a:rPr>
-              <a:t>Lucas pereira</a:t>
+              <a:t>Lucas silva pereira</a:t>
             </a:r>
           </a:p>
         </p:txBody>
@@ -12443,13 +12539,13 @@
   <p:clrMapOvr>
     <a:masterClrMapping/>
   </p:clrMapOvr>
-  <mc:AlternateContent xmlns:mc="http://schemas.openxmlformats.org/markup-compatibility/2006">
-    <mc:Choice xmlns:p14="http://schemas.microsoft.com/office/powerpoint/2010/main" Requires="p14">
+  <mc:AlternateContent xmlns:mc="http://schemas.openxmlformats.org/markup-compatibility/2006" xmlns:p14="http://schemas.microsoft.com/office/powerpoint/2010/main">
+    <mc:Choice Requires="p14">
       <p:transition spd="slow" p14:dur="1600">
         <p:blinds dir="vert"/>
       </p:transition>
     </mc:Choice>
-    <mc:Fallback>
+    <mc:Fallback xmlns="">
       <p:transition spd="slow">
         <p:blinds dir="vert"/>
       </p:transition>
@@ -12496,6 +12592,13 @@
           <a:bodyPr/>
           <a:lstStyle/>
           <a:p>
+            <a:r>
+              <a:rPr lang="pt-BR" b="1" dirty="0"/>
+              <a:t>O que é Teste de Desempenho?</a:t>
+            </a:r>
+            <a:br>
+              <a:rPr lang="pt-BR" dirty="0"/>
+            </a:br>
             <a:endParaRPr lang="pt-BR" dirty="0"/>
           </a:p>
         </p:txBody>
@@ -12518,8 +12621,24 @@
         </p:nvSpPr>
         <p:spPr/>
         <p:txBody>
-          <a:bodyPr/>
+          <a:bodyPr>
+            <a:normAutofit/>
+          </a:bodyPr>
           <a:lstStyle/>
+          <a:p>
+            <a:r>
+              <a:rPr lang="pt-BR" dirty="0"/>
+              <a:t>O </a:t>
+            </a:r>
+            <a:r>
+              <a:rPr lang="pt-BR" b="1" dirty="0"/>
+              <a:t>Teste de Performance</a:t>
+            </a:r>
+            <a:r>
+              <a:rPr lang="pt-BR" dirty="0"/>
+              <a:t> consiste em avaliar a capacidade de resposta, robustez, disponibilidade, confiabilidade e escalabilidade de uma aplicação, conforme a quantidade de conexões simultâneas, avaliando seu desempenho em alta carga de trabalho e considerando seu comportamento em circunstâncias normais.​</a:t>
+            </a:r>
+          </a:p>
           <a:p>
             <a:endParaRPr lang="pt-BR" dirty="0"/>
           </a:p>
@@ -12538,10 +12657,561 @@
 </p:sld>
 </file>
 
+<file path=ppt/slides/slide3.xml><?xml version="1.0" encoding="utf-8"?>
+<p:sld xmlns:a="http://schemas.openxmlformats.org/drawingml/2006/main" xmlns:r="http://schemas.openxmlformats.org/officeDocument/2006/relationships" xmlns:p="http://schemas.openxmlformats.org/presentationml/2006/main">
+  <p:cSld>
+    <p:spTree>
+      <p:nvGrpSpPr>
+        <p:cNvPr id="1" name=""/>
+        <p:cNvGrpSpPr/>
+        <p:nvPr/>
+      </p:nvGrpSpPr>
+      <p:grpSpPr>
+        <a:xfrm>
+          <a:off x="0" y="0"/>
+          <a:ext cx="0" cy="0"/>
+          <a:chOff x="0" y="0"/>
+          <a:chExt cx="0" cy="0"/>
+        </a:xfrm>
+      </p:grpSpPr>
+      <p:sp>
+        <p:nvSpPr>
+          <p:cNvPr id="3" name="Espaço Reservado para Conteúdo 2">
+            <a:extLst>
+              <a:ext uri="{FF2B5EF4-FFF2-40B4-BE49-F238E27FC236}">
+                <a16:creationId xmlns:a16="http://schemas.microsoft.com/office/drawing/2014/main" id="{F29087B4-505B-4E5D-82DB-7A1079EBBD16}"/>
+              </a:ext>
+            </a:extLst>
+          </p:cNvPr>
+          <p:cNvSpPr>
+            <a:spLocks noGrp="1"/>
+          </p:cNvSpPr>
+          <p:nvPr>
+            <p:ph idx="1"/>
+          </p:nvPr>
+        </p:nvSpPr>
+        <p:spPr>
+          <a:xfrm>
+            <a:off x="1260681" y="155644"/>
+            <a:ext cx="9905999" cy="6702356"/>
+          </a:xfrm>
+        </p:spPr>
+        <p:txBody>
+          <a:bodyPr>
+            <a:normAutofit fontScale="55000" lnSpcReduction="20000"/>
+          </a:bodyPr>
+          <a:lstStyle/>
+          <a:p>
+            <a:pPr fontAlgn="base"/>
+            <a:r>
+              <a:rPr lang="pt-BR" sz="4800" dirty="0"/>
+              <a:t> </a:t>
+            </a:r>
+            <a:r>
+              <a:rPr lang="pt-BR" sz="4800" b="1" dirty="0"/>
+              <a:t>Teste de performance</a:t>
+            </a:r>
+            <a:r>
+              <a:rPr lang="pt-BR" sz="4800" dirty="0"/>
+              <a:t>, devem ser coletados e analisados itens, como:</a:t>
+            </a:r>
+          </a:p>
+          <a:p>
+            <a:pPr marL="0" indent="0" fontAlgn="base">
+              <a:buNone/>
+            </a:pPr>
+            <a:endParaRPr lang="pt-BR" sz="4800" dirty="0"/>
+          </a:p>
+          <a:p>
+            <a:pPr fontAlgn="base"/>
+            <a:r>
+              <a:rPr lang="pt-BR" sz="4800" dirty="0"/>
+              <a:t> O Tempo médio de resposta.</a:t>
+            </a:r>
+          </a:p>
+          <a:p>
+            <a:pPr fontAlgn="base"/>
+            <a:r>
+              <a:rPr lang="pt-BR" sz="4800" dirty="0"/>
+              <a:t> Tempo máximo e mínimo de resposta.</a:t>
+            </a:r>
+          </a:p>
+          <a:p>
+            <a:pPr fontAlgn="base"/>
+            <a:r>
+              <a:rPr lang="pt-BR" sz="4800" dirty="0"/>
+              <a:t> Quantidade de operações </a:t>
+            </a:r>
+            <a:r>
+              <a:rPr lang="pt-BR" sz="4800" dirty="0" err="1"/>
+              <a:t>vs</a:t>
+            </a:r>
+            <a:r>
+              <a:rPr lang="pt-BR" sz="4800" dirty="0"/>
+              <a:t> unidade de tempo.</a:t>
+            </a:r>
+          </a:p>
+          <a:p>
+            <a:pPr fontAlgn="base"/>
+            <a:r>
+              <a:rPr lang="pt-BR" sz="4800" dirty="0"/>
+              <a:t> Testes por segundo.</a:t>
+            </a:r>
+          </a:p>
+          <a:p>
+            <a:pPr fontAlgn="base"/>
+            <a:r>
+              <a:rPr lang="pt-BR" sz="4800" dirty="0"/>
+              <a:t> Testes que resultaram em falha.</a:t>
+            </a:r>
+          </a:p>
+          <a:p>
+            <a:pPr fontAlgn="base"/>
+            <a:r>
+              <a:rPr lang="pt-BR" sz="4800" dirty="0"/>
+              <a:t> Tempo médio do teste.</a:t>
+            </a:r>
+          </a:p>
+          <a:p>
+            <a:pPr fontAlgn="base"/>
+            <a:r>
+              <a:rPr lang="pt-BR" sz="4800" dirty="0"/>
+              <a:t> Transações por segundo.</a:t>
+            </a:r>
+          </a:p>
+          <a:p>
+            <a:pPr fontAlgn="base"/>
+            <a:r>
+              <a:rPr lang="pt-BR" sz="4800" dirty="0"/>
+              <a:t> Requisições por segundo.</a:t>
+            </a:r>
+          </a:p>
+          <a:p>
+            <a:pPr fontAlgn="base"/>
+            <a:r>
+              <a:rPr lang="pt-BR" sz="4800" dirty="0"/>
+              <a:t> Tamanho das requisições HTTP, componentes, imagens.</a:t>
+            </a:r>
+          </a:p>
+          <a:p>
+            <a:pPr fontAlgn="base"/>
+            <a:r>
+              <a:rPr lang="pt-BR" sz="4800" dirty="0"/>
+              <a:t> Componentes cacheados pelo navegador web, entre outros.</a:t>
+            </a:r>
+          </a:p>
+          <a:p>
+            <a:endParaRPr lang="pt-BR" dirty="0"/>
+          </a:p>
+        </p:txBody>
+      </p:sp>
+    </p:spTree>
+    <p:extLst>
+      <p:ext uri="{BB962C8B-B14F-4D97-AF65-F5344CB8AC3E}">
+        <p14:creationId xmlns:p14="http://schemas.microsoft.com/office/powerpoint/2010/main" val="3604923755"/>
+      </p:ext>
+    </p:extLst>
+  </p:cSld>
+  <p:clrMapOvr>
+    <a:masterClrMapping/>
+  </p:clrMapOvr>
+</p:sld>
+</file>
+
+<file path=ppt/slides/slide4.xml><?xml version="1.0" encoding="utf-8"?>
+<p:sld xmlns:a="http://schemas.openxmlformats.org/drawingml/2006/main" xmlns:r="http://schemas.openxmlformats.org/officeDocument/2006/relationships" xmlns:p="http://schemas.openxmlformats.org/presentationml/2006/main">
+  <p:cSld>
+    <p:spTree>
+      <p:nvGrpSpPr>
+        <p:cNvPr id="1" name=""/>
+        <p:cNvGrpSpPr/>
+        <p:nvPr/>
+      </p:nvGrpSpPr>
+      <p:grpSpPr>
+        <a:xfrm>
+          <a:off x="0" y="0"/>
+          <a:ext cx="0" cy="0"/>
+          <a:chOff x="0" y="0"/>
+          <a:chExt cx="0" cy="0"/>
+        </a:xfrm>
+      </p:grpSpPr>
+      <p:sp>
+        <p:nvSpPr>
+          <p:cNvPr id="3" name="Espaço Reservado para Conteúdo 2">
+            <a:extLst>
+              <a:ext uri="{FF2B5EF4-FFF2-40B4-BE49-F238E27FC236}">
+                <a16:creationId xmlns:a16="http://schemas.microsoft.com/office/drawing/2014/main" id="{2EDCB2CB-149D-48B1-B57B-EB7E27F3E58D}"/>
+              </a:ext>
+            </a:extLst>
+          </p:cNvPr>
+          <p:cNvSpPr>
+            <a:spLocks noGrp="1"/>
+          </p:cNvSpPr>
+          <p:nvPr>
+            <p:ph idx="1"/>
+          </p:nvPr>
+        </p:nvSpPr>
+        <p:spPr>
+          <a:xfrm>
+            <a:off x="1143000" y="1162809"/>
+            <a:ext cx="9905999" cy="3912774"/>
+          </a:xfrm>
+        </p:spPr>
+        <p:txBody>
+          <a:bodyPr>
+            <a:normAutofit fontScale="92500" lnSpcReduction="10000"/>
+          </a:bodyPr>
+          <a:lstStyle/>
+          <a:p>
+            <a:pPr fontAlgn="base"/>
+            <a:r>
+              <a:rPr lang="pt-BR" b="1" dirty="0"/>
+              <a:t>O Teste de Carga:</a:t>
+            </a:r>
+            <a:endParaRPr lang="pt-BR" dirty="0"/>
+          </a:p>
+          <a:p>
+            <a:pPr fontAlgn="base"/>
+            <a:r>
+              <a:rPr lang="pt-BR" dirty="0"/>
+              <a:t>Um dos tipos de Teste de Performance, é o teste de carga. É geralmente realizado para identificar o comportamento do sistema sob uma carga especifica esperada. O que pode ser uma quantidade esperada de usuários simultâneos, uma quantidade de operações por hora ou um determinado numero de transações no sistema em teste.</a:t>
+            </a:r>
+          </a:p>
+          <a:p>
+            <a:pPr fontAlgn="base"/>
+            <a:r>
+              <a:rPr lang="pt-BR" dirty="0"/>
+              <a:t>Este tipo de teste é ideal para verificar se a aplicação, servidor web ou banco de dados em teste, mantém um bom comportamento durante sua carga habitual de trabalho.</a:t>
+            </a:r>
+          </a:p>
+          <a:p>
+            <a:endParaRPr lang="pt-BR" dirty="0"/>
+          </a:p>
+        </p:txBody>
+      </p:sp>
+    </p:spTree>
+    <p:extLst>
+      <p:ext uri="{BB962C8B-B14F-4D97-AF65-F5344CB8AC3E}">
+        <p14:creationId xmlns:p14="http://schemas.microsoft.com/office/powerpoint/2010/main" val="2296414909"/>
+      </p:ext>
+    </p:extLst>
+  </p:cSld>
+  <p:clrMapOvr>
+    <a:masterClrMapping/>
+  </p:clrMapOvr>
+</p:sld>
+</file>
+
+<file path=ppt/slides/slide5.xml><?xml version="1.0" encoding="utf-8"?>
+<p:sld xmlns:a="http://schemas.openxmlformats.org/drawingml/2006/main" xmlns:r="http://schemas.openxmlformats.org/officeDocument/2006/relationships" xmlns:p="http://schemas.openxmlformats.org/presentationml/2006/main">
+  <p:cSld>
+    <p:spTree>
+      <p:nvGrpSpPr>
+        <p:cNvPr id="1" name=""/>
+        <p:cNvGrpSpPr/>
+        <p:nvPr/>
+      </p:nvGrpSpPr>
+      <p:grpSpPr>
+        <a:xfrm>
+          <a:off x="0" y="0"/>
+          <a:ext cx="0" cy="0"/>
+          <a:chOff x="0" y="0"/>
+          <a:chExt cx="0" cy="0"/>
+        </a:xfrm>
+      </p:grpSpPr>
+      <p:sp>
+        <p:nvSpPr>
+          <p:cNvPr id="2" name="Título 1">
+            <a:extLst>
+              <a:ext uri="{FF2B5EF4-FFF2-40B4-BE49-F238E27FC236}">
+                <a16:creationId xmlns:a16="http://schemas.microsoft.com/office/drawing/2014/main" id="{F635F2AF-AD71-485B-AECA-5B454D225A18}"/>
+              </a:ext>
+            </a:extLst>
+          </p:cNvPr>
+          <p:cNvSpPr>
+            <a:spLocks noGrp="1"/>
+          </p:cNvSpPr>
+          <p:nvPr>
+            <p:ph type="title"/>
+          </p:nvPr>
+        </p:nvSpPr>
+        <p:spPr>
+          <a:xfrm>
+            <a:off x="795130" y="618518"/>
+            <a:ext cx="10252281" cy="1478570"/>
+          </a:xfrm>
+        </p:spPr>
+        <p:txBody>
+          <a:bodyPr/>
+          <a:lstStyle/>
+          <a:p>
+            <a:r>
+              <a:rPr lang="pt-BR" dirty="0"/>
+              <a:t>Como pode ser realizado o teste?</a:t>
+            </a:r>
+          </a:p>
+        </p:txBody>
+      </p:sp>
+      <p:sp>
+        <p:nvSpPr>
+          <p:cNvPr id="3" name="Espaço Reservado para Conteúdo 2">
+            <a:extLst>
+              <a:ext uri="{FF2B5EF4-FFF2-40B4-BE49-F238E27FC236}">
+                <a16:creationId xmlns:a16="http://schemas.microsoft.com/office/drawing/2014/main" id="{1900F502-0BB0-4488-A0EF-79DDDA065BB3}"/>
+              </a:ext>
+            </a:extLst>
+          </p:cNvPr>
+          <p:cNvSpPr>
+            <a:spLocks noGrp="1"/>
+          </p:cNvSpPr>
+          <p:nvPr>
+            <p:ph idx="1"/>
+          </p:nvPr>
+        </p:nvSpPr>
+        <p:spPr/>
+        <p:txBody>
+          <a:bodyPr/>
+          <a:lstStyle/>
+          <a:p>
+            <a:r>
+              <a:rPr lang="pt-BR" dirty="0"/>
+              <a:t>O Apache </a:t>
+            </a:r>
+            <a:r>
+              <a:rPr lang="pt-BR" dirty="0" err="1"/>
+              <a:t>JMeter</a:t>
+            </a:r>
+            <a:r>
+              <a:rPr lang="pt-BR" dirty="0"/>
+              <a:t> pode ser usado para testar o desempenho em recursos estáticos e dinâmicos, aplicativos dinâmicos da Web. </a:t>
+            </a:r>
+          </a:p>
+          <a:p>
+            <a:r>
+              <a:rPr lang="pt-BR" dirty="0"/>
+              <a:t>Ele pode ser usado para simular uma carga pesada em um servidor, grupo de servidores, rede ou objeto para testar sua força ou para analisar o desempenho geral sob diferentes tipos de carga. </a:t>
+            </a:r>
+          </a:p>
+          <a:p>
+            <a:endParaRPr lang="pt-BR" dirty="0"/>
+          </a:p>
+        </p:txBody>
+      </p:sp>
+    </p:spTree>
+    <p:extLst>
+      <p:ext uri="{BB962C8B-B14F-4D97-AF65-F5344CB8AC3E}">
+        <p14:creationId xmlns:p14="http://schemas.microsoft.com/office/powerpoint/2010/main" val="2912565174"/>
+      </p:ext>
+    </p:extLst>
+  </p:cSld>
+  <p:clrMapOvr>
+    <a:masterClrMapping/>
+  </p:clrMapOvr>
+</p:sld>
+</file>
+
+<file path=ppt/slides/slide6.xml><?xml version="1.0" encoding="utf-8"?>
+<p:sld xmlns:a="http://schemas.openxmlformats.org/drawingml/2006/main" xmlns:r="http://schemas.openxmlformats.org/officeDocument/2006/relationships" xmlns:p="http://schemas.openxmlformats.org/presentationml/2006/main">
+  <p:cSld>
+    <p:spTree>
+      <p:nvGrpSpPr>
+        <p:cNvPr id="1" name=""/>
+        <p:cNvGrpSpPr/>
+        <p:nvPr/>
+      </p:nvGrpSpPr>
+      <p:grpSpPr>
+        <a:xfrm>
+          <a:off x="0" y="0"/>
+          <a:ext cx="0" cy="0"/>
+          <a:chOff x="0" y="0"/>
+          <a:chExt cx="0" cy="0"/>
+        </a:xfrm>
+      </p:grpSpPr>
+      <p:sp>
+        <p:nvSpPr>
+          <p:cNvPr id="3" name="Espaço Reservado para Conteúdo 2">
+            <a:extLst>
+              <a:ext uri="{FF2B5EF4-FFF2-40B4-BE49-F238E27FC236}">
+                <a16:creationId xmlns:a16="http://schemas.microsoft.com/office/drawing/2014/main" id="{B6C3C827-1625-47B4-A0F1-6D167BAD33AC}"/>
+              </a:ext>
+            </a:extLst>
+          </p:cNvPr>
+          <p:cNvSpPr>
+            <a:spLocks noGrp="1"/>
+          </p:cNvSpPr>
+          <p:nvPr>
+            <p:ph idx="1"/>
+          </p:nvPr>
+        </p:nvSpPr>
+        <p:spPr>
+          <a:xfrm>
+            <a:off x="1143000" y="1176061"/>
+            <a:ext cx="9905999" cy="3541714"/>
+          </a:xfrm>
+        </p:spPr>
+        <p:txBody>
+          <a:bodyPr/>
+          <a:lstStyle/>
+          <a:p>
+            <a:r>
+              <a:rPr lang="pt-BR" b="1" dirty="0"/>
+              <a:t>O que é </a:t>
+            </a:r>
+            <a:r>
+              <a:rPr lang="pt-BR" b="1" dirty="0" err="1"/>
+              <a:t>JMeter</a:t>
+            </a:r>
+            <a:r>
+              <a:rPr lang="pt-BR" b="1" dirty="0"/>
+              <a:t>?</a:t>
+            </a:r>
+            <a:r>
+              <a:rPr lang="pt-BR" dirty="0"/>
+              <a:t> </a:t>
+            </a:r>
+          </a:p>
+          <a:p>
+            <a:pPr marL="0" indent="0">
+              <a:buNone/>
+            </a:pPr>
+            <a:endParaRPr lang="pt-BR" dirty="0"/>
+          </a:p>
+          <a:p>
+            <a:pPr marL="0" indent="0">
+              <a:buNone/>
+            </a:pPr>
+            <a:r>
+              <a:rPr lang="pt-BR" dirty="0"/>
+              <a:t>	É um software de código aberto 100% uma aplicação JAVA; projetado para carregar o comportamento funcional do teste e medir o desempenho.</a:t>
+            </a:r>
+          </a:p>
+          <a:p>
+            <a:r>
+              <a:rPr lang="pt-BR" dirty="0"/>
+              <a:t>Ele é projetado originalmente para testar aplicativos web, mas desde então foi expandido para outras </a:t>
+            </a:r>
+            <a:r>
+              <a:rPr lang="pt-BR" dirty="0" err="1"/>
+              <a:t>funcções</a:t>
+            </a:r>
+            <a:r>
+              <a:rPr lang="pt-BR" dirty="0"/>
+              <a:t> de teste.</a:t>
+            </a:r>
+          </a:p>
+          <a:p>
+            <a:endParaRPr lang="pt-BR" dirty="0"/>
+          </a:p>
+        </p:txBody>
+      </p:sp>
+    </p:spTree>
+    <p:extLst>
+      <p:ext uri="{BB962C8B-B14F-4D97-AF65-F5344CB8AC3E}">
+        <p14:creationId xmlns:p14="http://schemas.microsoft.com/office/powerpoint/2010/main" val="1901563247"/>
+      </p:ext>
+    </p:extLst>
+  </p:cSld>
+  <p:clrMapOvr>
+    <a:masterClrMapping/>
+  </p:clrMapOvr>
+</p:sld>
+</file>
+
+<file path=ppt/slides/slide7.xml><?xml version="1.0" encoding="utf-8"?>
+<p:sld xmlns:a="http://schemas.openxmlformats.org/drawingml/2006/main" xmlns:r="http://schemas.openxmlformats.org/officeDocument/2006/relationships" xmlns:p="http://schemas.openxmlformats.org/presentationml/2006/main">
+  <p:cSld>
+    <p:spTree>
+      <p:nvGrpSpPr>
+        <p:cNvPr id="1" name=""/>
+        <p:cNvGrpSpPr/>
+        <p:nvPr/>
+      </p:nvGrpSpPr>
+      <p:grpSpPr>
+        <a:xfrm>
+          <a:off x="0" y="0"/>
+          <a:ext cx="0" cy="0"/>
+          <a:chOff x="0" y="0"/>
+          <a:chExt cx="0" cy="0"/>
+        </a:xfrm>
+      </p:grpSpPr>
+      <p:sp>
+        <p:nvSpPr>
+          <p:cNvPr id="2" name="Título 1">
+            <a:extLst>
+              <a:ext uri="{FF2B5EF4-FFF2-40B4-BE49-F238E27FC236}">
+                <a16:creationId xmlns:a16="http://schemas.microsoft.com/office/drawing/2014/main" id="{34761F67-3B09-44E5-BAA3-6D26A5DD9940}"/>
+              </a:ext>
+            </a:extLst>
+          </p:cNvPr>
+          <p:cNvSpPr>
+            <a:spLocks noGrp="1"/>
+          </p:cNvSpPr>
+          <p:nvPr>
+            <p:ph type="title"/>
+          </p:nvPr>
+        </p:nvSpPr>
+        <p:spPr/>
+        <p:txBody>
+          <a:bodyPr/>
+          <a:lstStyle/>
+          <a:p>
+            <a:r>
+              <a:rPr lang="pt-BR" dirty="0"/>
+              <a:t>Referência </a:t>
+            </a:r>
+            <a:r>
+              <a:rPr lang="pt-BR" dirty="0" err="1"/>
+              <a:t>bibliografica</a:t>
+            </a:r>
+            <a:endParaRPr lang="pt-BR" dirty="0"/>
+          </a:p>
+        </p:txBody>
+      </p:sp>
+      <p:sp>
+        <p:nvSpPr>
+          <p:cNvPr id="3" name="Espaço Reservado para Conteúdo 2">
+            <a:extLst>
+              <a:ext uri="{FF2B5EF4-FFF2-40B4-BE49-F238E27FC236}">
+                <a16:creationId xmlns:a16="http://schemas.microsoft.com/office/drawing/2014/main" id="{76558293-5FC1-4D6A-9540-1801B5779905}"/>
+              </a:ext>
+            </a:extLst>
+          </p:cNvPr>
+          <p:cNvSpPr>
+            <a:spLocks noGrp="1"/>
+          </p:cNvSpPr>
+          <p:nvPr>
+            <p:ph idx="1"/>
+          </p:nvPr>
+        </p:nvSpPr>
+        <p:spPr/>
+        <p:txBody>
+          <a:bodyPr/>
+          <a:lstStyle/>
+          <a:p>
+            <a:r>
+              <a:rPr lang="pt-BR" dirty="0"/>
+              <a:t>https://www.testar.me/teste-de-performance</a:t>
+            </a:r>
+          </a:p>
+        </p:txBody>
+      </p:sp>
+    </p:spTree>
+    <p:extLst>
+      <p:ext uri="{BB962C8B-B14F-4D97-AF65-F5344CB8AC3E}">
+        <p14:creationId xmlns:p14="http://schemas.microsoft.com/office/powerpoint/2010/main" val="3890310535"/>
+      </p:ext>
+    </p:extLst>
+  </p:cSld>
+  <p:clrMapOvr>
+    <a:masterClrMapping/>
+  </p:clrMapOvr>
+</p:sld>
+</file>
+
 <file path=ppt/theme/theme1.xml><?xml version="1.0" encoding="utf-8"?>
 <a:theme xmlns:a="http://schemas.openxmlformats.org/drawingml/2006/main" name="Circuito">
   <a:themeElements>
-    <a:clrScheme name="Circuit">
+    <a:clrScheme name="Circuito">
       <a:dk1>
         <a:sysClr val="windowText" lastClr="000000"/>
       </a:dk1>
@@ -12549,37 +13219,37 @@
         <a:sysClr val="window" lastClr="FFFFFF"/>
       </a:lt1>
       <a:dk2>
-        <a:srgbClr val="134770"/>
+        <a:srgbClr val="252C36"/>
       </a:dk2>
       <a:lt2>
-        <a:srgbClr val="82FFFF"/>
+        <a:srgbClr val="7C96A3"/>
       </a:lt2>
       <a:accent1>
-        <a:srgbClr val="9ACD4C"/>
+        <a:srgbClr val="4FD093"/>
       </a:accent1>
       <a:accent2>
-        <a:srgbClr val="FAA93A"/>
+        <a:srgbClr val="54BCDF"/>
       </a:accent2>
       <a:accent3>
-        <a:srgbClr val="D35940"/>
+        <a:srgbClr val="A262D0"/>
       </a:accent3>
       <a:accent4>
-        <a:srgbClr val="B258D3"/>
+        <a:srgbClr val="D7537B"/>
       </a:accent4>
       <a:accent5>
-        <a:srgbClr val="63A0CC"/>
+        <a:srgbClr val="E78045"/>
       </a:accent5>
       <a:accent6>
-        <a:srgbClr val="8AC4A7"/>
+        <a:srgbClr val="84C350"/>
       </a:accent6>
       <a:hlink>
-        <a:srgbClr val="B8FA56"/>
+        <a:srgbClr val="22FFFF"/>
       </a:hlink>
       <a:folHlink>
-        <a:srgbClr val="7AF8CC"/>
+        <a:srgbClr val="9BF3FD"/>
       </a:folHlink>
     </a:clrScheme>
-    <a:fontScheme name="Circuit">
+    <a:fontScheme name="Circuito">
       <a:majorFont>
         <a:latin typeface="Tw Cen MT" panose="020B0602020104020603"/>
         <a:ea typeface=""/>
@@ -12651,7 +13321,7 @@
         <a:font script="Geor" typeface="Sylfaen"/>
       </a:minorFont>
     </a:fontScheme>
-    <a:fmtScheme name="Circuit">
+    <a:fmtScheme name="Circuito">
       <a:fillStyleLst>
         <a:solidFill>
           <a:schemeClr val="phClr"/>
@@ -12743,7 +13413,7 @@
                 <a:tint val="98000"/>
                 <a:hueMod val="94000"/>
                 <a:satMod val="148000"/>
-                <a:lumMod val="150000"/>
+                <a:lumMod val="140000"/>
               </a:schemeClr>
             </a:gs>
             <a:gs pos="100000">
@@ -12751,7 +13421,7 @@
                 <a:shade val="92000"/>
                 <a:hueMod val="104000"/>
                 <a:satMod val="140000"/>
-                <a:lumMod val="68000"/>
+                <a:lumMod val="48000"/>
               </a:schemeClr>
             </a:gs>
           </a:gsLst>
@@ -12761,16 +13431,16 @@
           <a:blip xmlns:r="http://schemas.openxmlformats.org/officeDocument/2006/relationships" r:embed="rId1">
             <a:duotone>
               <a:schemeClr val="phClr">
-                <a:shade val="88000"/>
+                <a:shade val="48000"/>
                 <a:hueMod val="106000"/>
                 <a:satMod val="140000"/>
-                <a:lumMod val="54000"/>
+                <a:lumMod val="42000"/>
               </a:schemeClr>
               <a:schemeClr val="phClr">
                 <a:tint val="98000"/>
-                <a:hueMod val="90000"/>
-                <a:satMod val="150000"/>
-                <a:lumMod val="160000"/>
+                <a:hueMod val="92000"/>
+                <a:satMod val="220000"/>
+                <a:lumMod val="90000"/>
               </a:schemeClr>
             </a:duotone>
           </a:blip>
@@ -12783,7 +13453,7 @@
   <a:extraClrSchemeLst/>
   <a:extLst>
     <a:ext uri="{05A4C25C-085E-4340-85A3-A5531E510DB2}">
-      <thm15:themeFamily xmlns:thm15="http://schemas.microsoft.com/office/thememl/2012/main" name="Circuit" id="{0AC2F7E7-15F5-431C-B2A2-456FE929F56C}" vid="{0911B802-464C-4241-8DD9-B60FF88E379F}"/>
+      <thm15:themeFamily xmlns:thm15="http://schemas.microsoft.com/office/thememl/2012/main" name="Circuit" id="{0AC2F7E7-15F5-431C-B2A2-456FE929F56C}" vid="{142578CA-DEC9-49C3-80AF-C113973CC9A9}"/>
     </a:ext>
   </a:extLst>
 </a:theme>

--- a/FTT/Teste de desempenho.pptx
+++ b/FTT/Teste de desempenho.pptx
@@ -2,16 +2,11 @@
 <file path=ppt/presentation.xml><?xml version="1.0" encoding="utf-8"?>
 <p:presentation xmlns:a="http://schemas.openxmlformats.org/drawingml/2006/main" xmlns:r="http://schemas.openxmlformats.org/officeDocument/2006/relationships" xmlns:p="http://schemas.openxmlformats.org/presentationml/2006/main" autoCompressPictures="0">
   <p:sldMasterIdLst>
-    <p:sldMasterId id="2147483687" r:id="rId1"/>
+    <p:sldMasterId id="2147483648" r:id="rId1"/>
   </p:sldMasterIdLst>
   <p:sldIdLst>
     <p:sldId id="256" r:id="rId2"/>
     <p:sldId id="257" r:id="rId3"/>
-    <p:sldId id="258" r:id="rId4"/>
-    <p:sldId id="259" r:id="rId5"/>
-    <p:sldId id="260" r:id="rId6"/>
-    <p:sldId id="261" r:id="rId7"/>
-    <p:sldId id="262" r:id="rId8"/>
   </p:sldIdLst>
   <p:sldSz cx="12192000" cy="6858000"/>
   <p:notesSz cx="6858000" cy="9144000"/>
@@ -110,11 +105,6 @@
       </a:defRPr>
     </a:lvl9pPr>
   </p:defaultTextStyle>
-  <p:extLst>
-    <p:ext uri="{EFAFB233-063F-42B5-8137-9DF3F51BA10A}">
-      <p15:sldGuideLst xmlns:p15="http://schemas.microsoft.com/office/powerpoint/2012/main"/>
-    </p:ext>
-  </p:extLst>
 </p:presentation>
 </file>
 
@@ -146,13 +136,6 @@
         <p:blipFill>
           <a:blip r:embed="rId2">
             <a:alphaModFix amt="30000"/>
-            <a:duotone>
-              <a:prstClr val="black"/>
-              <a:schemeClr val="tx2">
-                <a:tint val="45000"/>
-                <a:satMod val="400000"/>
-              </a:schemeClr>
-            </a:duotone>
             <a:extLst>
               <a:ext uri="{28A0092B-C50C-407E-A947-70E740481C1C}">
                 <a14:useLocalDpi xmlns:a14="http://schemas.microsoft.com/office/drawing/2010/main" val="0"/>
@@ -203,8 +186,9 @@
                 <a:schemeClr val="tx2"/>
               </a:gs>
               <a:gs pos="100000">
-                <a:schemeClr val="tx2">
-                  <a:lumMod val="50000"/>
+                <a:schemeClr val="bg2">
+                  <a:lumMod val="60000"/>
+                  <a:lumOff val="40000"/>
                 </a:schemeClr>
               </a:gs>
             </a:gsLst>
@@ -4399,8 +4383,8 @@
           <a:lstStyle/>
           <a:p>
             <a:fld id="{48A87A34-81AB-432B-8DAE-1953F412C126}" type="datetimeFigureOut">
-              <a:rPr lang="en-US" smtClean="0"/>
-              <a:t>2/7/2018</a:t>
+              <a:rPr lang="en-US" dirty="0"/>
+              <a:t>2/6/2018</a:t>
             </a:fld>
             <a:endParaRPr lang="en-US" dirty="0"/>
           </a:p>
@@ -4451,7 +4435,7 @@
           <a:lstStyle/>
           <a:p>
             <a:fld id="{6D22F896-40B5-4ADD-8801-0D06FADFA095}" type="slidenum">
-              <a:rPr lang="en-US" smtClean="0"/>
+              <a:rPr lang="en-US" dirty="0"/>
               <a:t>‹nº›</a:t>
             </a:fld>
             <a:endParaRPr lang="en-US" dirty="0"/>
@@ -4459,11 +4443,6 @@
         </p:txBody>
       </p:sp>
     </p:spTree>
-    <p:extLst>
-      <p:ext uri="{BB962C8B-B14F-4D97-AF65-F5344CB8AC3E}">
-        <p14:creationId xmlns:p14="http://schemas.microsoft.com/office/powerpoint/2010/main" val="3238856775"/>
-      </p:ext>
-    </p:extLst>
   </p:cSld>
   <p:clrMapOvr>
     <a:masterClrMapping/>
@@ -4666,8 +4645,8 @@
           <a:lstStyle/>
           <a:p>
             <a:fld id="{48A87A34-81AB-432B-8DAE-1953F412C126}" type="datetimeFigureOut">
-              <a:rPr lang="en-US" smtClean="0"/>
-              <a:t>2/7/2018</a:t>
+              <a:rPr lang="en-US" dirty="0"/>
+              <a:t>2/6/2018</a:t>
             </a:fld>
             <a:endParaRPr lang="en-US" dirty="0"/>
           </a:p>
@@ -4708,7 +4687,7 @@
           <a:lstStyle/>
           <a:p>
             <a:fld id="{6D22F896-40B5-4ADD-8801-0D06FADFA095}" type="slidenum">
-              <a:rPr lang="en-US" smtClean="0"/>
+              <a:rPr lang="en-US" dirty="0"/>
               <a:t>‹nº›</a:t>
             </a:fld>
             <a:endParaRPr lang="en-US" dirty="0"/>
@@ -4716,11 +4695,6 @@
         </p:txBody>
       </p:sp>
     </p:spTree>
-    <p:extLst>
-      <p:ext uri="{BB962C8B-B14F-4D97-AF65-F5344CB8AC3E}">
-        <p14:creationId xmlns:p14="http://schemas.microsoft.com/office/powerpoint/2010/main" val="1465123467"/>
-      </p:ext>
-    </p:extLst>
   </p:cSld>
   <p:clrMapOvr>
     <a:masterClrMapping/>
@@ -4862,8 +4836,8 @@
           <a:lstStyle/>
           <a:p>
             <a:fld id="{48A87A34-81AB-432B-8DAE-1953F412C126}" type="datetimeFigureOut">
-              <a:rPr lang="en-US" smtClean="0"/>
-              <a:t>2/7/2018</a:t>
+              <a:rPr lang="en-US" dirty="0"/>
+              <a:t>2/6/2018</a:t>
             </a:fld>
             <a:endParaRPr lang="en-US" dirty="0"/>
           </a:p>
@@ -4904,7 +4878,7 @@
           <a:lstStyle/>
           <a:p>
             <a:fld id="{6D22F896-40B5-4ADD-8801-0D06FADFA095}" type="slidenum">
-              <a:rPr lang="en-US" smtClean="0"/>
+              <a:rPr lang="en-US" dirty="0"/>
               <a:t>‹nº›</a:t>
             </a:fld>
             <a:endParaRPr lang="en-US" dirty="0"/>
@@ -4912,11 +4886,6 @@
         </p:txBody>
       </p:sp>
     </p:spTree>
-    <p:extLst>
-      <p:ext uri="{BB962C8B-B14F-4D97-AF65-F5344CB8AC3E}">
-        <p14:creationId xmlns:p14="http://schemas.microsoft.com/office/powerpoint/2010/main" val="3518919448"/>
-      </p:ext>
-    </p:extLst>
   </p:cSld>
   <p:clrMapOvr>
     <a:masterClrMapping/>
@@ -5125,8 +5094,8 @@
           <a:lstStyle/>
           <a:p>
             <a:fld id="{48A87A34-81AB-432B-8DAE-1953F412C126}" type="datetimeFigureOut">
-              <a:rPr lang="en-US" smtClean="0"/>
-              <a:t>2/7/2018</a:t>
+              <a:rPr lang="en-US" dirty="0"/>
+              <a:t>2/6/2018</a:t>
             </a:fld>
             <a:endParaRPr lang="en-US" dirty="0"/>
           </a:p>
@@ -5167,7 +5136,7 @@
           <a:lstStyle/>
           <a:p>
             <a:fld id="{6D22F896-40B5-4ADD-8801-0D06FADFA095}" type="slidenum">
-              <a:rPr lang="en-US" smtClean="0"/>
+              <a:rPr lang="en-US" dirty="0"/>
               <a:t>‹nº›</a:t>
             </a:fld>
             <a:endParaRPr lang="en-US" dirty="0"/>
@@ -5413,11 +5382,6 @@
         </p:txBody>
       </p:sp>
     </p:spTree>
-    <p:extLst>
-      <p:ext uri="{BB962C8B-B14F-4D97-AF65-F5344CB8AC3E}">
-        <p14:creationId xmlns:p14="http://schemas.microsoft.com/office/powerpoint/2010/main" val="2830479533"/>
-      </p:ext>
-    </p:extLst>
   </p:cSld>
   <p:clrMapOvr>
     <a:masterClrMapping/>
@@ -5559,8 +5523,8 @@
           <a:lstStyle/>
           <a:p>
             <a:fld id="{48A87A34-81AB-432B-8DAE-1953F412C126}" type="datetimeFigureOut">
-              <a:rPr lang="en-US" smtClean="0"/>
-              <a:t>2/7/2018</a:t>
+              <a:rPr lang="en-US" dirty="0"/>
+              <a:t>2/6/2018</a:t>
             </a:fld>
             <a:endParaRPr lang="en-US" dirty="0"/>
           </a:p>
@@ -5601,7 +5565,7 @@
           <a:lstStyle/>
           <a:p>
             <a:fld id="{6D22F896-40B5-4ADD-8801-0D06FADFA095}" type="slidenum">
-              <a:rPr lang="en-US" smtClean="0"/>
+              <a:rPr lang="en-US" dirty="0"/>
               <a:t>‹nº›</a:t>
             </a:fld>
             <a:endParaRPr lang="en-US" dirty="0"/>
@@ -5609,11 +5573,6 @@
         </p:txBody>
       </p:sp>
     </p:spTree>
-    <p:extLst>
-      <p:ext uri="{BB962C8B-B14F-4D97-AF65-F5344CB8AC3E}">
-        <p14:creationId xmlns:p14="http://schemas.microsoft.com/office/powerpoint/2010/main" val="3002338633"/>
-      </p:ext>
-    </p:extLst>
   </p:cSld>
   <p:clrMapOvr>
     <a:masterClrMapping/>
@@ -6105,8 +6064,8 @@
           <a:lstStyle/>
           <a:p>
             <a:fld id="{48A87A34-81AB-432B-8DAE-1953F412C126}" type="datetimeFigureOut">
-              <a:rPr lang="en-US" smtClean="0"/>
-              <a:t>2/7/2018</a:t>
+              <a:rPr lang="en-US" dirty="0"/>
+              <a:t>2/6/2018</a:t>
             </a:fld>
             <a:endParaRPr lang="en-US" dirty="0"/>
           </a:p>
@@ -6147,7 +6106,7 @@
           <a:lstStyle/>
           <a:p>
             <a:fld id="{6D22F896-40B5-4ADD-8801-0D06FADFA095}" type="slidenum">
-              <a:rPr lang="en-US" smtClean="0"/>
+              <a:rPr lang="en-US" dirty="0"/>
               <a:t>‹nº›</a:t>
             </a:fld>
             <a:endParaRPr lang="en-US" dirty="0"/>
@@ -6155,11 +6114,6 @@
         </p:txBody>
       </p:sp>
     </p:spTree>
-    <p:extLst>
-      <p:ext uri="{BB962C8B-B14F-4D97-AF65-F5344CB8AC3E}">
-        <p14:creationId xmlns:p14="http://schemas.microsoft.com/office/powerpoint/2010/main" val="3925483826"/>
-      </p:ext>
-    </p:extLst>
   </p:cSld>
   <p:clrMapOvr>
     <a:masterClrMapping/>
@@ -6825,8 +6779,8 @@
           <a:lstStyle/>
           <a:p>
             <a:fld id="{48A87A34-81AB-432B-8DAE-1953F412C126}" type="datetimeFigureOut">
-              <a:rPr lang="en-US" smtClean="0"/>
-              <a:t>2/7/2018</a:t>
+              <a:rPr lang="en-US" dirty="0"/>
+              <a:t>2/6/2018</a:t>
             </a:fld>
             <a:endParaRPr lang="en-US" dirty="0"/>
           </a:p>
@@ -6867,7 +6821,7 @@
           <a:lstStyle/>
           <a:p>
             <a:fld id="{6D22F896-40B5-4ADD-8801-0D06FADFA095}" type="slidenum">
-              <a:rPr lang="en-US" smtClean="0"/>
+              <a:rPr lang="en-US" dirty="0"/>
               <a:t>‹nº›</a:t>
             </a:fld>
             <a:endParaRPr lang="en-US" dirty="0"/>
@@ -6875,11 +6829,6 @@
         </p:txBody>
       </p:sp>
     </p:spTree>
-    <p:extLst>
-      <p:ext uri="{BB962C8B-B14F-4D97-AF65-F5344CB8AC3E}">
-        <p14:creationId xmlns:p14="http://schemas.microsoft.com/office/powerpoint/2010/main" val="948433742"/>
-      </p:ext>
-    </p:extLst>
   </p:cSld>
   <p:clrMapOvr>
     <a:masterClrMapping/>
@@ -6995,8 +6944,8 @@
           <a:lstStyle/>
           <a:p>
             <a:fld id="{48A87A34-81AB-432B-8DAE-1953F412C126}" type="datetimeFigureOut">
-              <a:rPr lang="en-US" smtClean="0"/>
-              <a:t>2/7/2018</a:t>
+              <a:rPr lang="en-US" dirty="0"/>
+              <a:t>2/6/2018</a:t>
             </a:fld>
             <a:endParaRPr lang="en-US" dirty="0"/>
           </a:p>
@@ -7037,7 +6986,7 @@
           <a:lstStyle/>
           <a:p>
             <a:fld id="{6D22F896-40B5-4ADD-8801-0D06FADFA095}" type="slidenum">
-              <a:rPr lang="en-US" smtClean="0"/>
+              <a:rPr lang="en-US" dirty="0"/>
               <a:t>‹nº›</a:t>
             </a:fld>
             <a:endParaRPr lang="en-US" dirty="0"/>
@@ -7045,11 +6994,6 @@
         </p:txBody>
       </p:sp>
     </p:spTree>
-    <p:extLst>
-      <p:ext uri="{BB962C8B-B14F-4D97-AF65-F5344CB8AC3E}">
-        <p14:creationId xmlns:p14="http://schemas.microsoft.com/office/powerpoint/2010/main" val="4032137782"/>
-      </p:ext>
-    </p:extLst>
   </p:cSld>
   <p:clrMapOvr>
     <a:masterClrMapping/>
@@ -7175,8 +7119,8 @@
           <a:lstStyle/>
           <a:p>
             <a:fld id="{48A87A34-81AB-432B-8DAE-1953F412C126}" type="datetimeFigureOut">
-              <a:rPr lang="en-US" smtClean="0"/>
-              <a:t>2/7/2018</a:t>
+              <a:rPr lang="en-US" dirty="0"/>
+              <a:t>2/6/2018</a:t>
             </a:fld>
             <a:endParaRPr lang="en-US" dirty="0"/>
           </a:p>
@@ -7217,7 +7161,7 @@
           <a:lstStyle/>
           <a:p>
             <a:fld id="{6D22F896-40B5-4ADD-8801-0D06FADFA095}" type="slidenum">
-              <a:rPr lang="en-US" smtClean="0"/>
+              <a:rPr lang="en-US" dirty="0"/>
               <a:t>‹nº›</a:t>
             </a:fld>
             <a:endParaRPr lang="en-US" dirty="0"/>
@@ -7225,11 +7169,6 @@
         </p:txBody>
       </p:sp>
     </p:spTree>
-    <p:extLst>
-      <p:ext uri="{BB962C8B-B14F-4D97-AF65-F5344CB8AC3E}">
-        <p14:creationId xmlns:p14="http://schemas.microsoft.com/office/powerpoint/2010/main" val="763015582"/>
-      </p:ext>
-    </p:extLst>
   </p:cSld>
   <p:clrMapOvr>
     <a:masterClrMapping/>
@@ -7345,8 +7284,8 @@
           <a:lstStyle/>
           <a:p>
             <a:fld id="{48A87A34-81AB-432B-8DAE-1953F412C126}" type="datetimeFigureOut">
-              <a:rPr lang="en-US" smtClean="0"/>
-              <a:t>2/7/2018</a:t>
+              <a:rPr lang="en-US" dirty="0"/>
+              <a:t>2/6/2018</a:t>
             </a:fld>
             <a:endParaRPr lang="en-US" dirty="0"/>
           </a:p>
@@ -7387,7 +7326,7 @@
           <a:lstStyle/>
           <a:p>
             <a:fld id="{6D22F896-40B5-4ADD-8801-0D06FADFA095}" type="slidenum">
-              <a:rPr lang="en-US" smtClean="0"/>
+              <a:rPr lang="en-US" dirty="0"/>
               <a:t>‹nº›</a:t>
             </a:fld>
             <a:endParaRPr lang="en-US" dirty="0"/>
@@ -7395,11 +7334,6 @@
         </p:txBody>
       </p:sp>
     </p:spTree>
-    <p:extLst>
-      <p:ext uri="{BB962C8B-B14F-4D97-AF65-F5344CB8AC3E}">
-        <p14:creationId xmlns:p14="http://schemas.microsoft.com/office/powerpoint/2010/main" val="2586428294"/>
-      </p:ext>
-    </p:extLst>
   </p:cSld>
   <p:clrMapOvr>
     <a:masterClrMapping/>
@@ -7595,8 +7529,8 @@
           <a:lstStyle/>
           <a:p>
             <a:fld id="{48A87A34-81AB-432B-8DAE-1953F412C126}" type="datetimeFigureOut">
-              <a:rPr lang="en-US" smtClean="0"/>
-              <a:t>2/7/2018</a:t>
+              <a:rPr lang="en-US" dirty="0"/>
+              <a:t>2/6/2018</a:t>
             </a:fld>
             <a:endParaRPr lang="en-US" dirty="0"/>
           </a:p>
@@ -7637,7 +7571,7 @@
           <a:lstStyle/>
           <a:p>
             <a:fld id="{6D22F896-40B5-4ADD-8801-0D06FADFA095}" type="slidenum">
-              <a:rPr lang="en-US" smtClean="0"/>
+              <a:rPr lang="en-US" dirty="0"/>
               <a:t>‹nº›</a:t>
             </a:fld>
             <a:endParaRPr lang="en-US" dirty="0"/>
@@ -7645,11 +7579,6 @@
         </p:txBody>
       </p:sp>
     </p:spTree>
-    <p:extLst>
-      <p:ext uri="{BB962C8B-B14F-4D97-AF65-F5344CB8AC3E}">
-        <p14:creationId xmlns:p14="http://schemas.microsoft.com/office/powerpoint/2010/main" val="3828483283"/>
-      </p:ext>
-    </p:extLst>
   </p:cSld>
   <p:clrMapOvr>
     <a:masterClrMapping/>
@@ -7827,8 +7756,8 @@
           <a:lstStyle/>
           <a:p>
             <a:fld id="{48A87A34-81AB-432B-8DAE-1953F412C126}" type="datetimeFigureOut">
-              <a:rPr lang="en-US" smtClean="0"/>
-              <a:t>2/7/2018</a:t>
+              <a:rPr lang="en-US" dirty="0"/>
+              <a:t>2/6/2018</a:t>
             </a:fld>
             <a:endParaRPr lang="en-US" dirty="0"/>
           </a:p>
@@ -7869,7 +7798,7 @@
           <a:lstStyle/>
           <a:p>
             <a:fld id="{6D22F896-40B5-4ADD-8801-0D06FADFA095}" type="slidenum">
-              <a:rPr lang="en-US" smtClean="0"/>
+              <a:rPr lang="en-US" dirty="0"/>
               <a:t>‹nº›</a:t>
             </a:fld>
             <a:endParaRPr lang="en-US" dirty="0"/>
@@ -7877,11 +7806,6 @@
         </p:txBody>
       </p:sp>
     </p:spTree>
-    <p:extLst>
-      <p:ext uri="{BB962C8B-B14F-4D97-AF65-F5344CB8AC3E}">
-        <p14:creationId xmlns:p14="http://schemas.microsoft.com/office/powerpoint/2010/main" val="449811866"/>
-      </p:ext>
-    </p:extLst>
   </p:cSld>
   <p:clrMapOvr>
     <a:masterClrMapping/>
@@ -8208,8 +8132,8 @@
           <a:lstStyle/>
           <a:p>
             <a:fld id="{48A87A34-81AB-432B-8DAE-1953F412C126}" type="datetimeFigureOut">
-              <a:rPr lang="en-US" smtClean="0"/>
-              <a:t>2/7/2018</a:t>
+              <a:rPr lang="en-US" dirty="0"/>
+              <a:t>2/6/2018</a:t>
             </a:fld>
             <a:endParaRPr lang="en-US" dirty="0"/>
           </a:p>
@@ -8250,7 +8174,7 @@
           <a:lstStyle/>
           <a:p>
             <a:fld id="{6D22F896-40B5-4ADD-8801-0D06FADFA095}" type="slidenum">
-              <a:rPr lang="en-US" smtClean="0"/>
+              <a:rPr lang="en-US" dirty="0"/>
               <a:t>‹nº›</a:t>
             </a:fld>
             <a:endParaRPr lang="en-US" dirty="0"/>
@@ -8258,11 +8182,6 @@
         </p:txBody>
       </p:sp>
     </p:spTree>
-    <p:extLst>
-      <p:ext uri="{BB962C8B-B14F-4D97-AF65-F5344CB8AC3E}">
-        <p14:creationId xmlns:p14="http://schemas.microsoft.com/office/powerpoint/2010/main" val="24544325"/>
-      </p:ext>
-    </p:extLst>
   </p:cSld>
   <p:clrMapOvr>
     <a:masterClrMapping/>
@@ -8326,8 +8245,8 @@
           <a:lstStyle/>
           <a:p>
             <a:fld id="{48A87A34-81AB-432B-8DAE-1953F412C126}" type="datetimeFigureOut">
-              <a:rPr lang="en-US" smtClean="0"/>
-              <a:t>2/7/2018</a:t>
+              <a:rPr lang="en-US" dirty="0"/>
+              <a:t>2/6/2018</a:t>
             </a:fld>
             <a:endParaRPr lang="en-US" dirty="0"/>
           </a:p>
@@ -8368,7 +8287,7 @@
           <a:lstStyle/>
           <a:p>
             <a:fld id="{6D22F896-40B5-4ADD-8801-0D06FADFA095}" type="slidenum">
-              <a:rPr lang="en-US" smtClean="0"/>
+              <a:rPr lang="en-US" dirty="0"/>
               <a:t>‹nº›</a:t>
             </a:fld>
             <a:endParaRPr lang="en-US" dirty="0"/>
@@ -8376,11 +8295,6 @@
         </p:txBody>
       </p:sp>
     </p:spTree>
-    <p:extLst>
-      <p:ext uri="{BB962C8B-B14F-4D97-AF65-F5344CB8AC3E}">
-        <p14:creationId xmlns:p14="http://schemas.microsoft.com/office/powerpoint/2010/main" val="1847231611"/>
-      </p:ext>
-    </p:extLst>
   </p:cSld>
   <p:clrMapOvr>
     <a:masterClrMapping/>
@@ -8421,8 +8335,8 @@
           <a:lstStyle/>
           <a:p>
             <a:fld id="{48A87A34-81AB-432B-8DAE-1953F412C126}" type="datetimeFigureOut">
-              <a:rPr lang="en-US" smtClean="0"/>
-              <a:t>2/7/2018</a:t>
+              <a:rPr lang="en-US" dirty="0"/>
+              <a:t>2/6/2018</a:t>
             </a:fld>
             <a:endParaRPr lang="en-US" dirty="0"/>
           </a:p>
@@ -8463,7 +8377,7 @@
           <a:lstStyle/>
           <a:p>
             <a:fld id="{6D22F896-40B5-4ADD-8801-0D06FADFA095}" type="slidenum">
-              <a:rPr lang="en-US" smtClean="0"/>
+              <a:rPr lang="en-US" dirty="0"/>
               <a:t>‹nº›</a:t>
             </a:fld>
             <a:endParaRPr lang="en-US" dirty="0"/>
@@ -8471,11 +8385,6 @@
         </p:txBody>
       </p:sp>
     </p:spTree>
-    <p:extLst>
-      <p:ext uri="{BB962C8B-B14F-4D97-AF65-F5344CB8AC3E}">
-        <p14:creationId xmlns:p14="http://schemas.microsoft.com/office/powerpoint/2010/main" val="564845188"/>
-      </p:ext>
-    </p:extLst>
   </p:cSld>
   <p:clrMapOvr>
     <a:masterClrMapping/>
@@ -8670,8 +8579,8 @@
           <a:lstStyle/>
           <a:p>
             <a:fld id="{48A87A34-81AB-432B-8DAE-1953F412C126}" type="datetimeFigureOut">
-              <a:rPr lang="en-US" smtClean="0"/>
-              <a:t>2/7/2018</a:t>
+              <a:rPr lang="en-US" dirty="0"/>
+              <a:t>2/6/2018</a:t>
             </a:fld>
             <a:endParaRPr lang="en-US" dirty="0"/>
           </a:p>
@@ -8712,7 +8621,7 @@
           <a:lstStyle/>
           <a:p>
             <a:fld id="{6D22F896-40B5-4ADD-8801-0D06FADFA095}" type="slidenum">
-              <a:rPr lang="en-US" smtClean="0"/>
+              <a:rPr lang="en-US" dirty="0"/>
               <a:t>‹nº›</a:t>
             </a:fld>
             <a:endParaRPr lang="en-US" dirty="0"/>
@@ -8720,11 +8629,6 @@
         </p:txBody>
       </p:sp>
     </p:spTree>
-    <p:extLst>
-      <p:ext uri="{BB962C8B-B14F-4D97-AF65-F5344CB8AC3E}">
-        <p14:creationId xmlns:p14="http://schemas.microsoft.com/office/powerpoint/2010/main" val="1629836244"/>
-      </p:ext>
-    </p:extLst>
   </p:cSld>
   <p:clrMapOvr>
     <a:masterClrMapping/>
@@ -8950,8 +8854,8 @@
           <a:lstStyle/>
           <a:p>
             <a:fld id="{48A87A34-81AB-432B-8DAE-1953F412C126}" type="datetimeFigureOut">
-              <a:rPr lang="en-US" smtClean="0"/>
-              <a:t>2/7/2018</a:t>
+              <a:rPr lang="en-US" dirty="0"/>
+              <a:t>2/6/2018</a:t>
             </a:fld>
             <a:endParaRPr lang="en-US" dirty="0"/>
           </a:p>
@@ -8992,7 +8896,7 @@
           <a:lstStyle/>
           <a:p>
             <a:fld id="{6D22F896-40B5-4ADD-8801-0D06FADFA095}" type="slidenum">
-              <a:rPr lang="en-US" smtClean="0"/>
+              <a:rPr lang="en-US" dirty="0"/>
               <a:t>‹nº›</a:t>
             </a:fld>
             <a:endParaRPr lang="en-US" dirty="0"/>
@@ -9000,11 +8904,6 @@
         </p:txBody>
       </p:sp>
     </p:spTree>
-    <p:extLst>
-      <p:ext uri="{BB962C8B-B14F-4D97-AF65-F5344CB8AC3E}">
-        <p14:creationId xmlns:p14="http://schemas.microsoft.com/office/powerpoint/2010/main" val="3664472642"/>
-      </p:ext>
-    </p:extLst>
   </p:cSld>
   <p:clrMapOvr>
     <a:masterClrMapping/>
@@ -9045,13 +8944,6 @@
         <p:blipFill>
           <a:blip r:embed="rId19">
             <a:alphaModFix amt="30000"/>
-            <a:duotone>
-              <a:prstClr val="black"/>
-              <a:schemeClr val="tx2">
-                <a:tint val="45000"/>
-                <a:satMod val="400000"/>
-              </a:schemeClr>
-            </a:duotone>
             <a:extLst>
               <a:ext uri="{28A0092B-C50C-407E-A947-70E740481C1C}">
                 <a14:useLocalDpi xmlns:a14="http://schemas.microsoft.com/office/drawing/2010/main" val="0"/>
@@ -9096,20 +8988,6 @@
             <a:chOff x="-14288" y="0"/>
             <a:chExt cx="12053888" cy="6858001"/>
           </a:xfrm>
-          <a:gradFill flip="none" rotWithShape="1">
-            <a:gsLst>
-              <a:gs pos="0">
-                <a:schemeClr val="tx2"/>
-              </a:gs>
-              <a:gs pos="100000">
-                <a:schemeClr val="tx2">
-                  <a:lumMod val="50000"/>
-                </a:schemeClr>
-              </a:gs>
-            </a:gsLst>
-            <a:lin ang="5400000" scaled="0"/>
-            <a:tileRect/>
-          </a:gradFill>
         </p:grpSpPr>
         <p:grpSp>
           <p:nvGrpSpPr>
@@ -9124,7 +9002,21 @@
               <a:chOff x="-14288" y="0"/>
               <a:chExt cx="1220788" cy="6858001"/>
             </a:xfrm>
-            <a:grpFill/>
+            <a:gradFill flip="none" rotWithShape="1">
+              <a:gsLst>
+                <a:gs pos="0">
+                  <a:schemeClr val="tx2"/>
+                </a:gs>
+                <a:gs pos="100000">
+                  <a:schemeClr val="bg2">
+                    <a:lumMod val="60000"/>
+                    <a:lumOff val="40000"/>
+                  </a:schemeClr>
+                </a:gs>
+              </a:gsLst>
+              <a:lin ang="5400000" scaled="0"/>
+              <a:tileRect/>
+            </a:gradFill>
           </p:grpSpPr>
           <p:sp>
             <p:nvSpPr>
@@ -11113,7 +11005,24 @@
               <a:chOff x="11364912" y="0"/>
               <a:chExt cx="674688" cy="6848476"/>
             </a:xfrm>
-            <a:grpFill/>
+            <a:gradFill flip="none" rotWithShape="1">
+              <a:gsLst>
+                <a:gs pos="0">
+                  <a:schemeClr val="tx2">
+                    <a:alpha val="80000"/>
+                  </a:schemeClr>
+                </a:gs>
+                <a:gs pos="100000">
+                  <a:schemeClr val="bg2">
+                    <a:lumMod val="60000"/>
+                    <a:lumOff val="40000"/>
+                    <a:alpha val="60000"/>
+                  </a:schemeClr>
+                </a:gs>
+              </a:gsLst>
+              <a:lin ang="5400000" scaled="0"/>
+              <a:tileRect/>
+            </a:gradFill>
           </p:grpSpPr>
           <p:sp>
             <p:nvSpPr>
@@ -12017,9 +11926,9 @@
           </a:lstStyle>
           <a:p>
             <a:fld id="{48A87A34-81AB-432B-8DAE-1953F412C126}" type="datetimeFigureOut">
-              <a:rPr lang="en-US" smtClean="0"/>
+              <a:rPr lang="en-US" dirty="0"/>
               <a:pPr/>
-              <a:t>2/7/2018</a:t>
+              <a:t>2/6/2018</a:t>
             </a:fld>
             <a:endParaRPr lang="en-US" dirty="0"/>
           </a:p>
@@ -12096,7 +12005,7 @@
           </a:lstStyle>
           <a:p>
             <a:fld id="{6D22F896-40B5-4ADD-8801-0D06FADFA095}" type="slidenum">
-              <a:rPr lang="en-US" smtClean="0"/>
+              <a:rPr lang="en-US" dirty="0"/>
               <a:pPr/>
               <a:t>‹nº›</a:t>
             </a:fld>
@@ -12105,31 +12014,26 @@
         </p:txBody>
       </p:sp>
     </p:spTree>
-    <p:extLst>
-      <p:ext uri="{BB962C8B-B14F-4D97-AF65-F5344CB8AC3E}">
-        <p14:creationId xmlns:p14="http://schemas.microsoft.com/office/powerpoint/2010/main" val="2401567181"/>
-      </p:ext>
-    </p:extLst>
   </p:cSld>
   <p:clrMap bg1="dk1" tx1="lt1" bg2="dk2" tx2="lt2" accent1="accent1" accent2="accent2" accent3="accent3" accent4="accent4" accent5="accent5" accent6="accent6" hlink="hlink" folHlink="folHlink"/>
   <p:sldLayoutIdLst>
-    <p:sldLayoutId id="2147483688" r:id="rId1"/>
-    <p:sldLayoutId id="2147483689" r:id="rId2"/>
-    <p:sldLayoutId id="2147483690" r:id="rId3"/>
-    <p:sldLayoutId id="2147483691" r:id="rId4"/>
-    <p:sldLayoutId id="2147483692" r:id="rId5"/>
-    <p:sldLayoutId id="2147483693" r:id="rId6"/>
-    <p:sldLayoutId id="2147483694" r:id="rId7"/>
-    <p:sldLayoutId id="2147483695" r:id="rId8"/>
-    <p:sldLayoutId id="2147483696" r:id="rId9"/>
-    <p:sldLayoutId id="2147483697" r:id="rId10"/>
-    <p:sldLayoutId id="2147483698" r:id="rId11"/>
-    <p:sldLayoutId id="2147483699" r:id="rId12"/>
-    <p:sldLayoutId id="2147483700" r:id="rId13"/>
-    <p:sldLayoutId id="2147483701" r:id="rId14"/>
-    <p:sldLayoutId id="2147483702" r:id="rId15"/>
-    <p:sldLayoutId id="2147483703" r:id="rId16"/>
-    <p:sldLayoutId id="2147483704" r:id="rId17"/>
+    <p:sldLayoutId id="2147483649" r:id="rId1"/>
+    <p:sldLayoutId id="2147483650" r:id="rId2"/>
+    <p:sldLayoutId id="2147483651" r:id="rId3"/>
+    <p:sldLayoutId id="2147483652" r:id="rId4"/>
+    <p:sldLayoutId id="2147483653" r:id="rId5"/>
+    <p:sldLayoutId id="2147483654" r:id="rId6"/>
+    <p:sldLayoutId id="2147483655" r:id="rId7"/>
+    <p:sldLayoutId id="2147483656" r:id="rId8"/>
+    <p:sldLayoutId id="2147483657" r:id="rId9"/>
+    <p:sldLayoutId id="2147483660" r:id="rId10"/>
+    <p:sldLayoutId id="2147483661" r:id="rId11"/>
+    <p:sldLayoutId id="2147483666" r:id="rId12"/>
+    <p:sldLayoutId id="2147483663" r:id="rId13"/>
+    <p:sldLayoutId id="2147483667" r:id="rId14"/>
+    <p:sldLayoutId id="2147483668" r:id="rId15"/>
+    <p:sldLayoutId id="2147483658" r:id="rId16"/>
+    <p:sldLayoutId id="2147483659" r:id="rId17"/>
   </p:sldLayoutIdLst>
   <p:txStyles>
     <p:titleStyle>
@@ -12524,7 +12428,7 @@
                 <a:latin typeface="Times New Roman" panose="02020603050405020304" pitchFamily="18" charset="0"/>
                 <a:cs typeface="Times New Roman" panose="02020603050405020304" pitchFamily="18" charset="0"/>
               </a:rPr>
-              <a:t>Lucas silva pereira</a:t>
+              <a:t>Lucas pereira</a:t>
             </a:r>
           </a:p>
         </p:txBody>
@@ -12539,13 +12443,13 @@
   <p:clrMapOvr>
     <a:masterClrMapping/>
   </p:clrMapOvr>
-  <mc:AlternateContent xmlns:mc="http://schemas.openxmlformats.org/markup-compatibility/2006" xmlns:p14="http://schemas.microsoft.com/office/powerpoint/2010/main">
-    <mc:Choice Requires="p14">
+  <mc:AlternateContent xmlns:mc="http://schemas.openxmlformats.org/markup-compatibility/2006">
+    <mc:Choice xmlns:p14="http://schemas.microsoft.com/office/powerpoint/2010/main" Requires="p14">
       <p:transition spd="slow" p14:dur="1600">
         <p:blinds dir="vert"/>
       </p:transition>
     </mc:Choice>
-    <mc:Fallback xmlns="">
+    <mc:Fallback>
       <p:transition spd="slow">
         <p:blinds dir="vert"/>
       </p:transition>
@@ -12592,13 +12496,6 @@
           <a:bodyPr/>
           <a:lstStyle/>
           <a:p>
-            <a:r>
-              <a:rPr lang="pt-BR" b="1" dirty="0"/>
-              <a:t>O que é Teste de Desempenho?</a:t>
-            </a:r>
-            <a:br>
-              <a:rPr lang="pt-BR" dirty="0"/>
-            </a:br>
             <a:endParaRPr lang="pt-BR" dirty="0"/>
           </a:p>
         </p:txBody>
@@ -12621,24 +12518,8 @@
         </p:nvSpPr>
         <p:spPr/>
         <p:txBody>
-          <a:bodyPr>
-            <a:normAutofit/>
-          </a:bodyPr>
+          <a:bodyPr/>
           <a:lstStyle/>
-          <a:p>
-            <a:r>
-              <a:rPr lang="pt-BR" dirty="0"/>
-              <a:t>O </a:t>
-            </a:r>
-            <a:r>
-              <a:rPr lang="pt-BR" b="1" dirty="0"/>
-              <a:t>Teste de Performance</a:t>
-            </a:r>
-            <a:r>
-              <a:rPr lang="pt-BR" dirty="0"/>
-              <a:t> consiste em avaliar a capacidade de resposta, robustez, disponibilidade, confiabilidade e escalabilidade de uma aplicação, conforme a quantidade de conexões simultâneas, avaliando seu desempenho em alta carga de trabalho e considerando seu comportamento em circunstâncias normais.​</a:t>
-            </a:r>
-          </a:p>
           <a:p>
             <a:endParaRPr lang="pt-BR" dirty="0"/>
           </a:p>
@@ -12657,561 +12538,10 @@
 </p:sld>
 </file>
 
-<file path=ppt/slides/slide3.xml><?xml version="1.0" encoding="utf-8"?>
-<p:sld xmlns:a="http://schemas.openxmlformats.org/drawingml/2006/main" xmlns:r="http://schemas.openxmlformats.org/officeDocument/2006/relationships" xmlns:p="http://schemas.openxmlformats.org/presentationml/2006/main">
-  <p:cSld>
-    <p:spTree>
-      <p:nvGrpSpPr>
-        <p:cNvPr id="1" name=""/>
-        <p:cNvGrpSpPr/>
-        <p:nvPr/>
-      </p:nvGrpSpPr>
-      <p:grpSpPr>
-        <a:xfrm>
-          <a:off x="0" y="0"/>
-          <a:ext cx="0" cy="0"/>
-          <a:chOff x="0" y="0"/>
-          <a:chExt cx="0" cy="0"/>
-        </a:xfrm>
-      </p:grpSpPr>
-      <p:sp>
-        <p:nvSpPr>
-          <p:cNvPr id="3" name="Espaço Reservado para Conteúdo 2">
-            <a:extLst>
-              <a:ext uri="{FF2B5EF4-FFF2-40B4-BE49-F238E27FC236}">
-                <a16:creationId xmlns:a16="http://schemas.microsoft.com/office/drawing/2014/main" id="{F29087B4-505B-4E5D-82DB-7A1079EBBD16}"/>
-              </a:ext>
-            </a:extLst>
-          </p:cNvPr>
-          <p:cNvSpPr>
-            <a:spLocks noGrp="1"/>
-          </p:cNvSpPr>
-          <p:nvPr>
-            <p:ph idx="1"/>
-          </p:nvPr>
-        </p:nvSpPr>
-        <p:spPr>
-          <a:xfrm>
-            <a:off x="1260681" y="155644"/>
-            <a:ext cx="9905999" cy="6702356"/>
-          </a:xfrm>
-        </p:spPr>
-        <p:txBody>
-          <a:bodyPr>
-            <a:normAutofit fontScale="55000" lnSpcReduction="20000"/>
-          </a:bodyPr>
-          <a:lstStyle/>
-          <a:p>
-            <a:pPr fontAlgn="base"/>
-            <a:r>
-              <a:rPr lang="pt-BR" sz="4800" dirty="0"/>
-              <a:t> </a:t>
-            </a:r>
-            <a:r>
-              <a:rPr lang="pt-BR" sz="4800" b="1" dirty="0"/>
-              <a:t>Teste de performance</a:t>
-            </a:r>
-            <a:r>
-              <a:rPr lang="pt-BR" sz="4800" dirty="0"/>
-              <a:t>, devem ser coletados e analisados itens, como:</a:t>
-            </a:r>
-          </a:p>
-          <a:p>
-            <a:pPr marL="0" indent="0" fontAlgn="base">
-              <a:buNone/>
-            </a:pPr>
-            <a:endParaRPr lang="pt-BR" sz="4800" dirty="0"/>
-          </a:p>
-          <a:p>
-            <a:pPr fontAlgn="base"/>
-            <a:r>
-              <a:rPr lang="pt-BR" sz="4800" dirty="0"/>
-              <a:t> O Tempo médio de resposta.</a:t>
-            </a:r>
-          </a:p>
-          <a:p>
-            <a:pPr fontAlgn="base"/>
-            <a:r>
-              <a:rPr lang="pt-BR" sz="4800" dirty="0"/>
-              <a:t> Tempo máximo e mínimo de resposta.</a:t>
-            </a:r>
-          </a:p>
-          <a:p>
-            <a:pPr fontAlgn="base"/>
-            <a:r>
-              <a:rPr lang="pt-BR" sz="4800" dirty="0"/>
-              <a:t> Quantidade de operações </a:t>
-            </a:r>
-            <a:r>
-              <a:rPr lang="pt-BR" sz="4800" dirty="0" err="1"/>
-              <a:t>vs</a:t>
-            </a:r>
-            <a:r>
-              <a:rPr lang="pt-BR" sz="4800" dirty="0"/>
-              <a:t> unidade de tempo.</a:t>
-            </a:r>
-          </a:p>
-          <a:p>
-            <a:pPr fontAlgn="base"/>
-            <a:r>
-              <a:rPr lang="pt-BR" sz="4800" dirty="0"/>
-              <a:t> Testes por segundo.</a:t>
-            </a:r>
-          </a:p>
-          <a:p>
-            <a:pPr fontAlgn="base"/>
-            <a:r>
-              <a:rPr lang="pt-BR" sz="4800" dirty="0"/>
-              <a:t> Testes que resultaram em falha.</a:t>
-            </a:r>
-          </a:p>
-          <a:p>
-            <a:pPr fontAlgn="base"/>
-            <a:r>
-              <a:rPr lang="pt-BR" sz="4800" dirty="0"/>
-              <a:t> Tempo médio do teste.</a:t>
-            </a:r>
-          </a:p>
-          <a:p>
-            <a:pPr fontAlgn="base"/>
-            <a:r>
-              <a:rPr lang="pt-BR" sz="4800" dirty="0"/>
-              <a:t> Transações por segundo.</a:t>
-            </a:r>
-          </a:p>
-          <a:p>
-            <a:pPr fontAlgn="base"/>
-            <a:r>
-              <a:rPr lang="pt-BR" sz="4800" dirty="0"/>
-              <a:t> Requisições por segundo.</a:t>
-            </a:r>
-          </a:p>
-          <a:p>
-            <a:pPr fontAlgn="base"/>
-            <a:r>
-              <a:rPr lang="pt-BR" sz="4800" dirty="0"/>
-              <a:t> Tamanho das requisições HTTP, componentes, imagens.</a:t>
-            </a:r>
-          </a:p>
-          <a:p>
-            <a:pPr fontAlgn="base"/>
-            <a:r>
-              <a:rPr lang="pt-BR" sz="4800" dirty="0"/>
-              <a:t> Componentes cacheados pelo navegador web, entre outros.</a:t>
-            </a:r>
-          </a:p>
-          <a:p>
-            <a:endParaRPr lang="pt-BR" dirty="0"/>
-          </a:p>
-        </p:txBody>
-      </p:sp>
-    </p:spTree>
-    <p:extLst>
-      <p:ext uri="{BB962C8B-B14F-4D97-AF65-F5344CB8AC3E}">
-        <p14:creationId xmlns:p14="http://schemas.microsoft.com/office/powerpoint/2010/main" val="3604923755"/>
-      </p:ext>
-    </p:extLst>
-  </p:cSld>
-  <p:clrMapOvr>
-    <a:masterClrMapping/>
-  </p:clrMapOvr>
-</p:sld>
-</file>
-
-<file path=ppt/slides/slide4.xml><?xml version="1.0" encoding="utf-8"?>
-<p:sld xmlns:a="http://schemas.openxmlformats.org/drawingml/2006/main" xmlns:r="http://schemas.openxmlformats.org/officeDocument/2006/relationships" xmlns:p="http://schemas.openxmlformats.org/presentationml/2006/main">
-  <p:cSld>
-    <p:spTree>
-      <p:nvGrpSpPr>
-        <p:cNvPr id="1" name=""/>
-        <p:cNvGrpSpPr/>
-        <p:nvPr/>
-      </p:nvGrpSpPr>
-      <p:grpSpPr>
-        <a:xfrm>
-          <a:off x="0" y="0"/>
-          <a:ext cx="0" cy="0"/>
-          <a:chOff x="0" y="0"/>
-          <a:chExt cx="0" cy="0"/>
-        </a:xfrm>
-      </p:grpSpPr>
-      <p:sp>
-        <p:nvSpPr>
-          <p:cNvPr id="3" name="Espaço Reservado para Conteúdo 2">
-            <a:extLst>
-              <a:ext uri="{FF2B5EF4-FFF2-40B4-BE49-F238E27FC236}">
-                <a16:creationId xmlns:a16="http://schemas.microsoft.com/office/drawing/2014/main" id="{2EDCB2CB-149D-48B1-B57B-EB7E27F3E58D}"/>
-              </a:ext>
-            </a:extLst>
-          </p:cNvPr>
-          <p:cNvSpPr>
-            <a:spLocks noGrp="1"/>
-          </p:cNvSpPr>
-          <p:nvPr>
-            <p:ph idx="1"/>
-          </p:nvPr>
-        </p:nvSpPr>
-        <p:spPr>
-          <a:xfrm>
-            <a:off x="1143000" y="1162809"/>
-            <a:ext cx="9905999" cy="3912774"/>
-          </a:xfrm>
-        </p:spPr>
-        <p:txBody>
-          <a:bodyPr>
-            <a:normAutofit fontScale="92500" lnSpcReduction="10000"/>
-          </a:bodyPr>
-          <a:lstStyle/>
-          <a:p>
-            <a:pPr fontAlgn="base"/>
-            <a:r>
-              <a:rPr lang="pt-BR" b="1" dirty="0"/>
-              <a:t>O Teste de Carga:</a:t>
-            </a:r>
-            <a:endParaRPr lang="pt-BR" dirty="0"/>
-          </a:p>
-          <a:p>
-            <a:pPr fontAlgn="base"/>
-            <a:r>
-              <a:rPr lang="pt-BR" dirty="0"/>
-              <a:t>Um dos tipos de Teste de Performance, é o teste de carga. É geralmente realizado para identificar o comportamento do sistema sob uma carga especifica esperada. O que pode ser uma quantidade esperada de usuários simultâneos, uma quantidade de operações por hora ou um determinado numero de transações no sistema em teste.</a:t>
-            </a:r>
-          </a:p>
-          <a:p>
-            <a:pPr fontAlgn="base"/>
-            <a:r>
-              <a:rPr lang="pt-BR" dirty="0"/>
-              <a:t>Este tipo de teste é ideal para verificar se a aplicação, servidor web ou banco de dados em teste, mantém um bom comportamento durante sua carga habitual de trabalho.</a:t>
-            </a:r>
-          </a:p>
-          <a:p>
-            <a:endParaRPr lang="pt-BR" dirty="0"/>
-          </a:p>
-        </p:txBody>
-      </p:sp>
-    </p:spTree>
-    <p:extLst>
-      <p:ext uri="{BB962C8B-B14F-4D97-AF65-F5344CB8AC3E}">
-        <p14:creationId xmlns:p14="http://schemas.microsoft.com/office/powerpoint/2010/main" val="2296414909"/>
-      </p:ext>
-    </p:extLst>
-  </p:cSld>
-  <p:clrMapOvr>
-    <a:masterClrMapping/>
-  </p:clrMapOvr>
-</p:sld>
-</file>
-
-<file path=ppt/slides/slide5.xml><?xml version="1.0" encoding="utf-8"?>
-<p:sld xmlns:a="http://schemas.openxmlformats.org/drawingml/2006/main" xmlns:r="http://schemas.openxmlformats.org/officeDocument/2006/relationships" xmlns:p="http://schemas.openxmlformats.org/presentationml/2006/main">
-  <p:cSld>
-    <p:spTree>
-      <p:nvGrpSpPr>
-        <p:cNvPr id="1" name=""/>
-        <p:cNvGrpSpPr/>
-        <p:nvPr/>
-      </p:nvGrpSpPr>
-      <p:grpSpPr>
-        <a:xfrm>
-          <a:off x="0" y="0"/>
-          <a:ext cx="0" cy="0"/>
-          <a:chOff x="0" y="0"/>
-          <a:chExt cx="0" cy="0"/>
-        </a:xfrm>
-      </p:grpSpPr>
-      <p:sp>
-        <p:nvSpPr>
-          <p:cNvPr id="2" name="Título 1">
-            <a:extLst>
-              <a:ext uri="{FF2B5EF4-FFF2-40B4-BE49-F238E27FC236}">
-                <a16:creationId xmlns:a16="http://schemas.microsoft.com/office/drawing/2014/main" id="{F635F2AF-AD71-485B-AECA-5B454D225A18}"/>
-              </a:ext>
-            </a:extLst>
-          </p:cNvPr>
-          <p:cNvSpPr>
-            <a:spLocks noGrp="1"/>
-          </p:cNvSpPr>
-          <p:nvPr>
-            <p:ph type="title"/>
-          </p:nvPr>
-        </p:nvSpPr>
-        <p:spPr>
-          <a:xfrm>
-            <a:off x="795130" y="618518"/>
-            <a:ext cx="10252281" cy="1478570"/>
-          </a:xfrm>
-        </p:spPr>
-        <p:txBody>
-          <a:bodyPr/>
-          <a:lstStyle/>
-          <a:p>
-            <a:r>
-              <a:rPr lang="pt-BR" dirty="0"/>
-              <a:t>Como pode ser realizado o teste?</a:t>
-            </a:r>
-          </a:p>
-        </p:txBody>
-      </p:sp>
-      <p:sp>
-        <p:nvSpPr>
-          <p:cNvPr id="3" name="Espaço Reservado para Conteúdo 2">
-            <a:extLst>
-              <a:ext uri="{FF2B5EF4-FFF2-40B4-BE49-F238E27FC236}">
-                <a16:creationId xmlns:a16="http://schemas.microsoft.com/office/drawing/2014/main" id="{1900F502-0BB0-4488-A0EF-79DDDA065BB3}"/>
-              </a:ext>
-            </a:extLst>
-          </p:cNvPr>
-          <p:cNvSpPr>
-            <a:spLocks noGrp="1"/>
-          </p:cNvSpPr>
-          <p:nvPr>
-            <p:ph idx="1"/>
-          </p:nvPr>
-        </p:nvSpPr>
-        <p:spPr/>
-        <p:txBody>
-          <a:bodyPr/>
-          <a:lstStyle/>
-          <a:p>
-            <a:r>
-              <a:rPr lang="pt-BR" dirty="0"/>
-              <a:t>O Apache </a:t>
-            </a:r>
-            <a:r>
-              <a:rPr lang="pt-BR" dirty="0" err="1"/>
-              <a:t>JMeter</a:t>
-            </a:r>
-            <a:r>
-              <a:rPr lang="pt-BR" dirty="0"/>
-              <a:t> pode ser usado para testar o desempenho em recursos estáticos e dinâmicos, aplicativos dinâmicos da Web. </a:t>
-            </a:r>
-          </a:p>
-          <a:p>
-            <a:r>
-              <a:rPr lang="pt-BR" dirty="0"/>
-              <a:t>Ele pode ser usado para simular uma carga pesada em um servidor, grupo de servidores, rede ou objeto para testar sua força ou para analisar o desempenho geral sob diferentes tipos de carga. </a:t>
-            </a:r>
-          </a:p>
-          <a:p>
-            <a:endParaRPr lang="pt-BR" dirty="0"/>
-          </a:p>
-        </p:txBody>
-      </p:sp>
-    </p:spTree>
-    <p:extLst>
-      <p:ext uri="{BB962C8B-B14F-4D97-AF65-F5344CB8AC3E}">
-        <p14:creationId xmlns:p14="http://schemas.microsoft.com/office/powerpoint/2010/main" val="2912565174"/>
-      </p:ext>
-    </p:extLst>
-  </p:cSld>
-  <p:clrMapOvr>
-    <a:masterClrMapping/>
-  </p:clrMapOvr>
-</p:sld>
-</file>
-
-<file path=ppt/slides/slide6.xml><?xml version="1.0" encoding="utf-8"?>
-<p:sld xmlns:a="http://schemas.openxmlformats.org/drawingml/2006/main" xmlns:r="http://schemas.openxmlformats.org/officeDocument/2006/relationships" xmlns:p="http://schemas.openxmlformats.org/presentationml/2006/main">
-  <p:cSld>
-    <p:spTree>
-      <p:nvGrpSpPr>
-        <p:cNvPr id="1" name=""/>
-        <p:cNvGrpSpPr/>
-        <p:nvPr/>
-      </p:nvGrpSpPr>
-      <p:grpSpPr>
-        <a:xfrm>
-          <a:off x="0" y="0"/>
-          <a:ext cx="0" cy="0"/>
-          <a:chOff x="0" y="0"/>
-          <a:chExt cx="0" cy="0"/>
-        </a:xfrm>
-      </p:grpSpPr>
-      <p:sp>
-        <p:nvSpPr>
-          <p:cNvPr id="3" name="Espaço Reservado para Conteúdo 2">
-            <a:extLst>
-              <a:ext uri="{FF2B5EF4-FFF2-40B4-BE49-F238E27FC236}">
-                <a16:creationId xmlns:a16="http://schemas.microsoft.com/office/drawing/2014/main" id="{B6C3C827-1625-47B4-A0F1-6D167BAD33AC}"/>
-              </a:ext>
-            </a:extLst>
-          </p:cNvPr>
-          <p:cNvSpPr>
-            <a:spLocks noGrp="1"/>
-          </p:cNvSpPr>
-          <p:nvPr>
-            <p:ph idx="1"/>
-          </p:nvPr>
-        </p:nvSpPr>
-        <p:spPr>
-          <a:xfrm>
-            <a:off x="1143000" y="1176061"/>
-            <a:ext cx="9905999" cy="3541714"/>
-          </a:xfrm>
-        </p:spPr>
-        <p:txBody>
-          <a:bodyPr/>
-          <a:lstStyle/>
-          <a:p>
-            <a:r>
-              <a:rPr lang="pt-BR" b="1" dirty="0"/>
-              <a:t>O que é </a:t>
-            </a:r>
-            <a:r>
-              <a:rPr lang="pt-BR" b="1" dirty="0" err="1"/>
-              <a:t>JMeter</a:t>
-            </a:r>
-            <a:r>
-              <a:rPr lang="pt-BR" b="1" dirty="0"/>
-              <a:t>?</a:t>
-            </a:r>
-            <a:r>
-              <a:rPr lang="pt-BR" dirty="0"/>
-              <a:t> </a:t>
-            </a:r>
-          </a:p>
-          <a:p>
-            <a:pPr marL="0" indent="0">
-              <a:buNone/>
-            </a:pPr>
-            <a:endParaRPr lang="pt-BR" dirty="0"/>
-          </a:p>
-          <a:p>
-            <a:pPr marL="0" indent="0">
-              <a:buNone/>
-            </a:pPr>
-            <a:r>
-              <a:rPr lang="pt-BR" dirty="0"/>
-              <a:t>	É um software de código aberto 100% uma aplicação JAVA; projetado para carregar o comportamento funcional do teste e medir o desempenho.</a:t>
-            </a:r>
-          </a:p>
-          <a:p>
-            <a:r>
-              <a:rPr lang="pt-BR" dirty="0"/>
-              <a:t>Ele é projetado originalmente para testar aplicativos web, mas desde então foi expandido para outras </a:t>
-            </a:r>
-            <a:r>
-              <a:rPr lang="pt-BR" dirty="0" err="1"/>
-              <a:t>funcções</a:t>
-            </a:r>
-            <a:r>
-              <a:rPr lang="pt-BR" dirty="0"/>
-              <a:t> de teste.</a:t>
-            </a:r>
-          </a:p>
-          <a:p>
-            <a:endParaRPr lang="pt-BR" dirty="0"/>
-          </a:p>
-        </p:txBody>
-      </p:sp>
-    </p:spTree>
-    <p:extLst>
-      <p:ext uri="{BB962C8B-B14F-4D97-AF65-F5344CB8AC3E}">
-        <p14:creationId xmlns:p14="http://schemas.microsoft.com/office/powerpoint/2010/main" val="1901563247"/>
-      </p:ext>
-    </p:extLst>
-  </p:cSld>
-  <p:clrMapOvr>
-    <a:masterClrMapping/>
-  </p:clrMapOvr>
-</p:sld>
-</file>
-
-<file path=ppt/slides/slide7.xml><?xml version="1.0" encoding="utf-8"?>
-<p:sld xmlns:a="http://schemas.openxmlformats.org/drawingml/2006/main" xmlns:r="http://schemas.openxmlformats.org/officeDocument/2006/relationships" xmlns:p="http://schemas.openxmlformats.org/presentationml/2006/main">
-  <p:cSld>
-    <p:spTree>
-      <p:nvGrpSpPr>
-        <p:cNvPr id="1" name=""/>
-        <p:cNvGrpSpPr/>
-        <p:nvPr/>
-      </p:nvGrpSpPr>
-      <p:grpSpPr>
-        <a:xfrm>
-          <a:off x="0" y="0"/>
-          <a:ext cx="0" cy="0"/>
-          <a:chOff x="0" y="0"/>
-          <a:chExt cx="0" cy="0"/>
-        </a:xfrm>
-      </p:grpSpPr>
-      <p:sp>
-        <p:nvSpPr>
-          <p:cNvPr id="2" name="Título 1">
-            <a:extLst>
-              <a:ext uri="{FF2B5EF4-FFF2-40B4-BE49-F238E27FC236}">
-                <a16:creationId xmlns:a16="http://schemas.microsoft.com/office/drawing/2014/main" id="{34761F67-3B09-44E5-BAA3-6D26A5DD9940}"/>
-              </a:ext>
-            </a:extLst>
-          </p:cNvPr>
-          <p:cNvSpPr>
-            <a:spLocks noGrp="1"/>
-          </p:cNvSpPr>
-          <p:nvPr>
-            <p:ph type="title"/>
-          </p:nvPr>
-        </p:nvSpPr>
-        <p:spPr/>
-        <p:txBody>
-          <a:bodyPr/>
-          <a:lstStyle/>
-          <a:p>
-            <a:r>
-              <a:rPr lang="pt-BR" dirty="0"/>
-              <a:t>Referência </a:t>
-            </a:r>
-            <a:r>
-              <a:rPr lang="pt-BR" dirty="0" err="1"/>
-              <a:t>bibliografica</a:t>
-            </a:r>
-            <a:endParaRPr lang="pt-BR" dirty="0"/>
-          </a:p>
-        </p:txBody>
-      </p:sp>
-      <p:sp>
-        <p:nvSpPr>
-          <p:cNvPr id="3" name="Espaço Reservado para Conteúdo 2">
-            <a:extLst>
-              <a:ext uri="{FF2B5EF4-FFF2-40B4-BE49-F238E27FC236}">
-                <a16:creationId xmlns:a16="http://schemas.microsoft.com/office/drawing/2014/main" id="{76558293-5FC1-4D6A-9540-1801B5779905}"/>
-              </a:ext>
-            </a:extLst>
-          </p:cNvPr>
-          <p:cNvSpPr>
-            <a:spLocks noGrp="1"/>
-          </p:cNvSpPr>
-          <p:nvPr>
-            <p:ph idx="1"/>
-          </p:nvPr>
-        </p:nvSpPr>
-        <p:spPr/>
-        <p:txBody>
-          <a:bodyPr/>
-          <a:lstStyle/>
-          <a:p>
-            <a:r>
-              <a:rPr lang="pt-BR" dirty="0"/>
-              <a:t>https://www.testar.me/teste-de-performance</a:t>
-            </a:r>
-          </a:p>
-        </p:txBody>
-      </p:sp>
-    </p:spTree>
-    <p:extLst>
-      <p:ext uri="{BB962C8B-B14F-4D97-AF65-F5344CB8AC3E}">
-        <p14:creationId xmlns:p14="http://schemas.microsoft.com/office/powerpoint/2010/main" val="3890310535"/>
-      </p:ext>
-    </p:extLst>
-  </p:cSld>
-  <p:clrMapOvr>
-    <a:masterClrMapping/>
-  </p:clrMapOvr>
-</p:sld>
-</file>
-
 <file path=ppt/theme/theme1.xml><?xml version="1.0" encoding="utf-8"?>
 <a:theme xmlns:a="http://schemas.openxmlformats.org/drawingml/2006/main" name="Circuito">
   <a:themeElements>
-    <a:clrScheme name="Circuito">
+    <a:clrScheme name="Circuit">
       <a:dk1>
         <a:sysClr val="windowText" lastClr="000000"/>
       </a:dk1>
@@ -13219,37 +12549,37 @@
         <a:sysClr val="window" lastClr="FFFFFF"/>
       </a:lt1>
       <a:dk2>
-        <a:srgbClr val="252C36"/>
+        <a:srgbClr val="134770"/>
       </a:dk2>
       <a:lt2>
-        <a:srgbClr val="7C96A3"/>
+        <a:srgbClr val="82FFFF"/>
       </a:lt2>
       <a:accent1>
-        <a:srgbClr val="4FD093"/>
+        <a:srgbClr val="9ACD4C"/>
       </a:accent1>
       <a:accent2>
-        <a:srgbClr val="54BCDF"/>
+        <a:srgbClr val="FAA93A"/>
       </a:accent2>
       <a:accent3>
-        <a:srgbClr val="A262D0"/>
+        <a:srgbClr val="D35940"/>
       </a:accent3>
       <a:accent4>
-        <a:srgbClr val="D7537B"/>
+        <a:srgbClr val="B258D3"/>
       </a:accent4>
       <a:accent5>
-        <a:srgbClr val="E78045"/>
+        <a:srgbClr val="63A0CC"/>
       </a:accent5>
       <a:accent6>
-        <a:srgbClr val="84C350"/>
+        <a:srgbClr val="8AC4A7"/>
       </a:accent6>
       <a:hlink>
-        <a:srgbClr val="22FFFF"/>
+        <a:srgbClr val="B8FA56"/>
       </a:hlink>
       <a:folHlink>
-        <a:srgbClr val="9BF3FD"/>
+        <a:srgbClr val="7AF8CC"/>
       </a:folHlink>
     </a:clrScheme>
-    <a:fontScheme name="Circuito">
+    <a:fontScheme name="Circuit">
       <a:majorFont>
         <a:latin typeface="Tw Cen MT" panose="020B0602020104020603"/>
         <a:ea typeface=""/>
@@ -13321,7 +12651,7 @@
         <a:font script="Geor" typeface="Sylfaen"/>
       </a:minorFont>
     </a:fontScheme>
-    <a:fmtScheme name="Circuito">
+    <a:fmtScheme name="Circuit">
       <a:fillStyleLst>
         <a:solidFill>
           <a:schemeClr val="phClr"/>
@@ -13413,7 +12743,7 @@
                 <a:tint val="98000"/>
                 <a:hueMod val="94000"/>
                 <a:satMod val="148000"/>
-                <a:lumMod val="140000"/>
+                <a:lumMod val="150000"/>
               </a:schemeClr>
             </a:gs>
             <a:gs pos="100000">
@@ -13421,7 +12751,7 @@
                 <a:shade val="92000"/>
                 <a:hueMod val="104000"/>
                 <a:satMod val="140000"/>
-                <a:lumMod val="48000"/>
+                <a:lumMod val="68000"/>
               </a:schemeClr>
             </a:gs>
           </a:gsLst>
@@ -13431,16 +12761,16 @@
           <a:blip xmlns:r="http://schemas.openxmlformats.org/officeDocument/2006/relationships" r:embed="rId1">
             <a:duotone>
               <a:schemeClr val="phClr">
-                <a:shade val="48000"/>
+                <a:shade val="88000"/>
                 <a:hueMod val="106000"/>
                 <a:satMod val="140000"/>
-                <a:lumMod val="42000"/>
+                <a:lumMod val="54000"/>
               </a:schemeClr>
               <a:schemeClr val="phClr">
                 <a:tint val="98000"/>
-                <a:hueMod val="92000"/>
-                <a:satMod val="220000"/>
-                <a:lumMod val="90000"/>
+                <a:hueMod val="90000"/>
+                <a:satMod val="150000"/>
+                <a:lumMod val="160000"/>
               </a:schemeClr>
             </a:duotone>
           </a:blip>
@@ -13453,7 +12783,7 @@
   <a:extraClrSchemeLst/>
   <a:extLst>
     <a:ext uri="{05A4C25C-085E-4340-85A3-A5531E510DB2}">
-      <thm15:themeFamily xmlns:thm15="http://schemas.microsoft.com/office/thememl/2012/main" name="Circuit" id="{0AC2F7E7-15F5-431C-B2A2-456FE929F56C}" vid="{142578CA-DEC9-49C3-80AF-C113973CC9A9}"/>
+      <thm15:themeFamily xmlns:thm15="http://schemas.microsoft.com/office/thememl/2012/main" name="Circuit" id="{0AC2F7E7-15F5-431C-B2A2-456FE929F56C}" vid="{0911B802-464C-4241-8DD9-B60FF88E379F}"/>
     </a:ext>
   </a:extLst>
 </a:theme>
